--- a/schematic/Model-schematics-1.pptx
+++ b/schematic/Model-schematics-1.pptx
@@ -6,9 +6,10 @@
   </p:sldMasterIdLst>
   <p:sldIdLst>
     <p:sldId id="259" r:id="rId2"/>
-    <p:sldId id="256" r:id="rId3"/>
-    <p:sldId id="257" r:id="rId4"/>
-    <p:sldId id="258" r:id="rId5"/>
+    <p:sldId id="260" r:id="rId3"/>
+    <p:sldId id="256" r:id="rId4"/>
+    <p:sldId id="257" r:id="rId5"/>
+    <p:sldId id="258" r:id="rId6"/>
   </p:sldIdLst>
   <p:sldSz cx="6858000" cy="9906000" type="A4"/>
   <p:notesSz cx="6858000" cy="9144000"/>
@@ -246,7 +247,7 @@
           <a:p>
             <a:fld id="{52585953-74D6-4FF4-974B-78B745075B35}" type="datetimeFigureOut">
               <a:rPr lang="en-US" smtClean="0"/>
-              <a:t>12/17/2023</a:t>
+              <a:t>12/20/2023</a:t>
             </a:fld>
             <a:endParaRPr lang="en-US"/>
           </a:p>
@@ -416,7 +417,7 @@
           <a:p>
             <a:fld id="{52585953-74D6-4FF4-974B-78B745075B35}" type="datetimeFigureOut">
               <a:rPr lang="en-US" smtClean="0"/>
-              <a:t>12/17/2023</a:t>
+              <a:t>12/20/2023</a:t>
             </a:fld>
             <a:endParaRPr lang="en-US"/>
           </a:p>
@@ -596,7 +597,7 @@
           <a:p>
             <a:fld id="{52585953-74D6-4FF4-974B-78B745075B35}" type="datetimeFigureOut">
               <a:rPr lang="en-US" smtClean="0"/>
-              <a:t>12/17/2023</a:t>
+              <a:t>12/20/2023</a:t>
             </a:fld>
             <a:endParaRPr lang="en-US"/>
           </a:p>
@@ -766,7 +767,7 @@
           <a:p>
             <a:fld id="{52585953-74D6-4FF4-974B-78B745075B35}" type="datetimeFigureOut">
               <a:rPr lang="en-US" smtClean="0"/>
-              <a:t>12/17/2023</a:t>
+              <a:t>12/20/2023</a:t>
             </a:fld>
             <a:endParaRPr lang="en-US"/>
           </a:p>
@@ -1010,7 +1011,7 @@
           <a:p>
             <a:fld id="{52585953-74D6-4FF4-974B-78B745075B35}" type="datetimeFigureOut">
               <a:rPr lang="en-US" smtClean="0"/>
-              <a:t>12/17/2023</a:t>
+              <a:t>12/20/2023</a:t>
             </a:fld>
             <a:endParaRPr lang="en-US"/>
           </a:p>
@@ -1242,7 +1243,7 @@
           <a:p>
             <a:fld id="{52585953-74D6-4FF4-974B-78B745075B35}" type="datetimeFigureOut">
               <a:rPr lang="en-US" smtClean="0"/>
-              <a:t>12/17/2023</a:t>
+              <a:t>12/20/2023</a:t>
             </a:fld>
             <a:endParaRPr lang="en-US"/>
           </a:p>
@@ -1609,7 +1610,7 @@
           <a:p>
             <a:fld id="{52585953-74D6-4FF4-974B-78B745075B35}" type="datetimeFigureOut">
               <a:rPr lang="en-US" smtClean="0"/>
-              <a:t>12/17/2023</a:t>
+              <a:t>12/20/2023</a:t>
             </a:fld>
             <a:endParaRPr lang="en-US"/>
           </a:p>
@@ -1727,7 +1728,7 @@
           <a:p>
             <a:fld id="{52585953-74D6-4FF4-974B-78B745075B35}" type="datetimeFigureOut">
               <a:rPr lang="en-US" smtClean="0"/>
-              <a:t>12/17/2023</a:t>
+              <a:t>12/20/2023</a:t>
             </a:fld>
             <a:endParaRPr lang="en-US"/>
           </a:p>
@@ -1822,7 +1823,7 @@
           <a:p>
             <a:fld id="{52585953-74D6-4FF4-974B-78B745075B35}" type="datetimeFigureOut">
               <a:rPr lang="en-US" smtClean="0"/>
-              <a:t>12/17/2023</a:t>
+              <a:t>12/20/2023</a:t>
             </a:fld>
             <a:endParaRPr lang="en-US"/>
           </a:p>
@@ -2099,7 +2100,7 @@
           <a:p>
             <a:fld id="{52585953-74D6-4FF4-974B-78B745075B35}" type="datetimeFigureOut">
               <a:rPr lang="en-US" smtClean="0"/>
-              <a:t>12/17/2023</a:t>
+              <a:t>12/20/2023</a:t>
             </a:fld>
             <a:endParaRPr lang="en-US"/>
           </a:p>
@@ -2356,7 +2357,7 @@
           <a:p>
             <a:fld id="{52585953-74D6-4FF4-974B-78B745075B35}" type="datetimeFigureOut">
               <a:rPr lang="en-US" smtClean="0"/>
-              <a:t>12/17/2023</a:t>
+              <a:t>12/20/2023</a:t>
             </a:fld>
             <a:endParaRPr lang="en-US"/>
           </a:p>
@@ -2569,7 +2570,7 @@
           <a:p>
             <a:fld id="{52585953-74D6-4FF4-974B-78B745075B35}" type="datetimeFigureOut">
               <a:rPr lang="en-US" smtClean="0"/>
-              <a:t>12/17/2023</a:t>
+              <a:t>12/20/2023</a:t>
             </a:fld>
             <a:endParaRPr lang="en-US"/>
           </a:p>
@@ -3007,7 +3008,7 @@
               <a:rPr lang="en-US" sz="2000" b="1" dirty="0">
                 <a:latin typeface="+mn-lt"/>
               </a:rPr>
-              <a:t>Datapoint Representation</a:t>
+              <a:t>Datapoint Representation with lookback</a:t>
             </a:r>
           </a:p>
         </p:txBody>
@@ -3027,7 +3028,7 @@
         <p:grpSpPr>
           <a:xfrm>
             <a:off x="49973" y="2600236"/>
-            <a:ext cx="6578854" cy="727037"/>
+            <a:ext cx="6453392" cy="727037"/>
             <a:chOff x="70104" y="3436531"/>
             <a:chExt cx="6578854" cy="727037"/>
           </a:xfrm>
@@ -3103,7 +3104,7 @@
               <a:p>
                 <a:pPr algn="ctr"/>
                 <a:r>
-                  <a:rPr lang="en-US" dirty="0"/>
+                  <a:rPr lang="en-US" b="1" dirty="0"/>
                   <a:t>B</a:t>
                 </a:r>
               </a:p>
@@ -3160,7 +3161,7 @@
               <a:p>
                 <a:pPr algn="ctr"/>
                 <a:r>
-                  <a:rPr lang="en-US" dirty="0"/>
+                  <a:rPr lang="en-US" b="1" dirty="0"/>
                   <a:t>G</a:t>
                 </a:r>
               </a:p>
@@ -3217,7 +3218,7 @@
               <a:p>
                 <a:pPr algn="ctr"/>
                 <a:r>
-                  <a:rPr lang="en-US" dirty="0"/>
+                  <a:rPr lang="en-US" b="1" dirty="0"/>
                   <a:t>R</a:t>
                 </a:r>
               </a:p>
@@ -3347,7 +3348,7 @@
               <a:p>
                 <a:pPr algn="ctr"/>
                 <a:r>
-                  <a:rPr lang="en-US" dirty="0"/>
+                  <a:rPr lang="en-US" b="1" dirty="0"/>
                   <a:t>B</a:t>
                 </a:r>
               </a:p>
@@ -3404,7 +3405,7 @@
               <a:p>
                 <a:pPr algn="ctr"/>
                 <a:r>
-                  <a:rPr lang="en-US" dirty="0"/>
+                  <a:rPr lang="en-US" b="1" dirty="0"/>
                   <a:t>G</a:t>
                 </a:r>
               </a:p>
@@ -3461,7 +3462,7 @@
               <a:p>
                 <a:pPr algn="ctr"/>
                 <a:r>
-                  <a:rPr lang="en-US" dirty="0"/>
+                  <a:rPr lang="en-US" b="1" dirty="0"/>
                   <a:t>R</a:t>
                 </a:r>
               </a:p>
@@ -4151,8 +4152,8 @@
         </p:nvSpPr>
         <p:spPr>
           <a:xfrm>
-            <a:off x="524222" y="2311546"/>
-            <a:ext cx="1227773" cy="241301"/>
+            <a:off x="515178" y="2311546"/>
+            <a:ext cx="1204359" cy="241301"/>
           </a:xfrm>
           <a:prstGeom prst="rect">
             <a:avLst/>
@@ -4211,8 +4212,8 @@
         </p:nvSpPr>
         <p:spPr>
           <a:xfrm>
-            <a:off x="2700494" y="2311546"/>
-            <a:ext cx="1227773" cy="241301"/>
+            <a:off x="2649947" y="2311546"/>
+            <a:ext cx="1204359" cy="241301"/>
           </a:xfrm>
           <a:prstGeom prst="rect">
             <a:avLst/>
@@ -4271,8 +4272,8 @@
         </p:nvSpPr>
         <p:spPr>
           <a:xfrm>
-            <a:off x="4774754" y="2311545"/>
-            <a:ext cx="1227773" cy="241301"/>
+            <a:off x="4684650" y="2311545"/>
+            <a:ext cx="1204359" cy="241301"/>
           </a:xfrm>
           <a:prstGeom prst="rect">
             <a:avLst/>
@@ -4331,8 +4332,8 @@
         </p:nvSpPr>
         <p:spPr>
           <a:xfrm rot="16200000">
-            <a:off x="5914022" y="2228232"/>
-            <a:ext cx="1227773" cy="241301"/>
+            <a:off x="5790485" y="2230533"/>
+            <a:ext cx="1227773" cy="236699"/>
           </a:xfrm>
           <a:prstGeom prst="rect">
             <a:avLst/>
@@ -4340,7 +4341,7 @@
         </p:spPr>
         <p:txBody>
           <a:bodyPr vert="horz" lIns="91440" tIns="45720" rIns="91440" bIns="45720" rtlCol="0" anchor="ctr">
-            <a:normAutofit fontScale="62500" lnSpcReduction="20000"/>
+            <a:normAutofit fontScale="55000" lnSpcReduction="20000"/>
           </a:bodyPr>
           <a:lstStyle>
             <a:lvl1pPr algn="l" defTabSz="685800" rtl="0" eaLnBrk="1" latinLnBrk="0" hangingPunct="1">
@@ -4386,6 +4387,5055 @@
 </file>
 
 <file path=ppt/slides/slide2.xml><?xml version="1.0" encoding="utf-8"?>
+<p:sld xmlns:a="http://schemas.openxmlformats.org/drawingml/2006/main" xmlns:r="http://schemas.openxmlformats.org/officeDocument/2006/relationships" xmlns:p="http://schemas.openxmlformats.org/presentationml/2006/main">
+  <p:cSld>
+    <p:spTree>
+      <p:nvGrpSpPr>
+        <p:cNvPr id="1" name=""/>
+        <p:cNvGrpSpPr/>
+        <p:nvPr/>
+      </p:nvGrpSpPr>
+      <p:grpSpPr>
+        <a:xfrm>
+          <a:off x="0" y="0"/>
+          <a:ext cx="0" cy="0"/>
+          <a:chOff x="0" y="0"/>
+          <a:chExt cx="0" cy="0"/>
+        </a:xfrm>
+      </p:grpSpPr>
+      <p:sp>
+        <p:nvSpPr>
+          <p:cNvPr id="2" name="Title 1">
+            <a:extLst>
+              <a:ext uri="{FF2B5EF4-FFF2-40B4-BE49-F238E27FC236}">
+                <a16:creationId xmlns:a16="http://schemas.microsoft.com/office/drawing/2014/main" id="{E4D3A54A-CD57-AAE2-E8CC-C0AA7D652B9A}"/>
+              </a:ext>
+            </a:extLst>
+          </p:cNvPr>
+          <p:cNvSpPr>
+            <a:spLocks noGrp="1"/>
+          </p:cNvSpPr>
+          <p:nvPr>
+            <p:ph type="title"/>
+          </p:nvPr>
+        </p:nvSpPr>
+        <p:spPr>
+          <a:xfrm>
+            <a:off x="471487" y="1709419"/>
+            <a:ext cx="5915025" cy="462281"/>
+          </a:xfrm>
+        </p:spPr>
+        <p:txBody>
+          <a:bodyPr>
+            <a:normAutofit/>
+          </a:bodyPr>
+          <a:lstStyle/>
+          <a:p>
+            <a:pPr algn="ctr"/>
+            <a:r>
+              <a:rPr lang="en-US" sz="2000" b="1" dirty="0">
+                <a:latin typeface="+mn-lt"/>
+              </a:rPr>
+              <a:t>Datapoint Representation with lookback</a:t>
+            </a:r>
+          </a:p>
+        </p:txBody>
+      </p:sp>
+      <p:grpSp>
+        <p:nvGrpSpPr>
+          <p:cNvPr id="95" name="Group 94">
+            <a:extLst>
+              <a:ext uri="{FF2B5EF4-FFF2-40B4-BE49-F238E27FC236}">
+                <a16:creationId xmlns:a16="http://schemas.microsoft.com/office/drawing/2014/main" id="{0501E8C4-0473-B1B3-FFD1-D5D175C4F1B1}"/>
+              </a:ext>
+            </a:extLst>
+          </p:cNvPr>
+          <p:cNvGrpSpPr/>
+          <p:nvPr/>
+        </p:nvGrpSpPr>
+        <p:grpSpPr>
+          <a:xfrm>
+            <a:off x="49973" y="1734996"/>
+            <a:ext cx="6782547" cy="4005155"/>
+            <a:chOff x="49973" y="1734996"/>
+            <a:chExt cx="6914408" cy="4005155"/>
+          </a:xfrm>
+        </p:grpSpPr>
+        <p:grpSp>
+          <p:nvGrpSpPr>
+            <p:cNvPr id="41" name="Group 40">
+              <a:extLst>
+                <a:ext uri="{FF2B5EF4-FFF2-40B4-BE49-F238E27FC236}">
+                  <a16:creationId xmlns:a16="http://schemas.microsoft.com/office/drawing/2014/main" id="{81325FB6-BEB1-4DFA-1618-4AB4DD2AADB6}"/>
+                </a:ext>
+              </a:extLst>
+            </p:cNvPr>
+            <p:cNvGrpSpPr/>
+            <p:nvPr/>
+          </p:nvGrpSpPr>
+          <p:grpSpPr>
+            <a:xfrm>
+              <a:off x="49973" y="2600236"/>
+              <a:ext cx="6578854" cy="727037"/>
+              <a:chOff x="70104" y="3436531"/>
+              <a:chExt cx="6578854" cy="727037"/>
+            </a:xfrm>
+          </p:grpSpPr>
+          <p:grpSp>
+            <p:nvGrpSpPr>
+              <p:cNvPr id="8" name="Group 7">
+                <a:extLst>
+                  <a:ext uri="{FF2B5EF4-FFF2-40B4-BE49-F238E27FC236}">
+                    <a16:creationId xmlns:a16="http://schemas.microsoft.com/office/drawing/2014/main" id="{4419CB19-1FB2-C1E6-C154-BF056095C8B0}"/>
+                  </a:ext>
+                </a:extLst>
+              </p:cNvPr>
+              <p:cNvGrpSpPr/>
+              <p:nvPr/>
+            </p:nvGrpSpPr>
+            <p:grpSpPr>
+              <a:xfrm>
+                <a:off x="70104" y="3438144"/>
+                <a:ext cx="2176272" cy="725424"/>
+                <a:chOff x="938784" y="3255264"/>
+                <a:chExt cx="2176272" cy="725424"/>
+              </a:xfrm>
+            </p:grpSpPr>
+            <p:sp>
+              <p:nvSpPr>
+                <p:cNvPr id="4" name="Rectangle 3">
+                  <a:extLst>
+                    <a:ext uri="{FF2B5EF4-FFF2-40B4-BE49-F238E27FC236}">
+                      <a16:creationId xmlns:a16="http://schemas.microsoft.com/office/drawing/2014/main" id="{45D5A2A2-A68A-6C92-251D-A35CC7FEC566}"/>
+                    </a:ext>
+                  </a:extLst>
+                </p:cNvPr>
+                <p:cNvSpPr/>
+                <p:nvPr/>
+              </p:nvSpPr>
+              <p:spPr>
+                <a:xfrm>
+                  <a:off x="2389632" y="3255264"/>
+                  <a:ext cx="725424" cy="725424"/>
+                </a:xfrm>
+                <a:prstGeom prst="rect">
+                  <a:avLst/>
+                </a:prstGeom>
+                <a:solidFill>
+                  <a:srgbClr val="0000FF"/>
+                </a:solidFill>
+                <a:ln>
+                  <a:solidFill>
+                    <a:schemeClr val="tx1"/>
+                  </a:solidFill>
+                </a:ln>
+              </p:spPr>
+              <p:style>
+                <a:lnRef idx="2">
+                  <a:schemeClr val="accent1">
+                    <a:shade val="15000"/>
+                  </a:schemeClr>
+                </a:lnRef>
+                <a:fillRef idx="1">
+                  <a:schemeClr val="accent1"/>
+                </a:fillRef>
+                <a:effectRef idx="0">
+                  <a:schemeClr val="accent1"/>
+                </a:effectRef>
+                <a:fontRef idx="minor">
+                  <a:schemeClr val="lt1"/>
+                </a:fontRef>
+              </p:style>
+              <p:txBody>
+                <a:bodyPr rtlCol="0" anchor="ctr"/>
+                <a:lstStyle/>
+                <a:p>
+                  <a:pPr algn="ctr"/>
+                  <a:r>
+                    <a:rPr lang="en-US" b="1" dirty="0"/>
+                    <a:t>B</a:t>
+                  </a:r>
+                </a:p>
+              </p:txBody>
+            </p:sp>
+            <p:sp>
+              <p:nvSpPr>
+                <p:cNvPr id="5" name="Rectangle 4">
+                  <a:extLst>
+                    <a:ext uri="{FF2B5EF4-FFF2-40B4-BE49-F238E27FC236}">
+                      <a16:creationId xmlns:a16="http://schemas.microsoft.com/office/drawing/2014/main" id="{C588051E-C247-F0A2-1A6A-87E09978BE81}"/>
+                    </a:ext>
+                  </a:extLst>
+                </p:cNvPr>
+                <p:cNvSpPr/>
+                <p:nvPr/>
+              </p:nvSpPr>
+              <p:spPr>
+                <a:xfrm>
+                  <a:off x="1664208" y="3255264"/>
+                  <a:ext cx="725424" cy="725424"/>
+                </a:xfrm>
+                <a:prstGeom prst="rect">
+                  <a:avLst/>
+                </a:prstGeom>
+                <a:solidFill>
+                  <a:srgbClr val="00FF00"/>
+                </a:solidFill>
+                <a:ln>
+                  <a:solidFill>
+                    <a:schemeClr val="tx1"/>
+                  </a:solidFill>
+                </a:ln>
+              </p:spPr>
+              <p:style>
+                <a:lnRef idx="2">
+                  <a:schemeClr val="accent1">
+                    <a:shade val="15000"/>
+                  </a:schemeClr>
+                </a:lnRef>
+                <a:fillRef idx="1">
+                  <a:schemeClr val="accent1"/>
+                </a:fillRef>
+                <a:effectRef idx="0">
+                  <a:schemeClr val="accent1"/>
+                </a:effectRef>
+                <a:fontRef idx="minor">
+                  <a:schemeClr val="lt1"/>
+                </a:fontRef>
+              </p:style>
+              <p:txBody>
+                <a:bodyPr rtlCol="0" anchor="ctr"/>
+                <a:lstStyle/>
+                <a:p>
+                  <a:pPr algn="ctr"/>
+                  <a:r>
+                    <a:rPr lang="en-US" b="1" dirty="0"/>
+                    <a:t>G</a:t>
+                  </a:r>
+                </a:p>
+              </p:txBody>
+            </p:sp>
+            <p:sp>
+              <p:nvSpPr>
+                <p:cNvPr id="6" name="Rectangle 5">
+                  <a:extLst>
+                    <a:ext uri="{FF2B5EF4-FFF2-40B4-BE49-F238E27FC236}">
+                      <a16:creationId xmlns:a16="http://schemas.microsoft.com/office/drawing/2014/main" id="{1D8CCC15-3127-24ED-14E3-DE7013BB2668}"/>
+                    </a:ext>
+                  </a:extLst>
+                </p:cNvPr>
+                <p:cNvSpPr/>
+                <p:nvPr/>
+              </p:nvSpPr>
+              <p:spPr>
+                <a:xfrm>
+                  <a:off x="938784" y="3255264"/>
+                  <a:ext cx="725424" cy="725424"/>
+                </a:xfrm>
+                <a:prstGeom prst="rect">
+                  <a:avLst/>
+                </a:prstGeom>
+                <a:solidFill>
+                  <a:srgbClr val="FF0000"/>
+                </a:solidFill>
+                <a:ln>
+                  <a:solidFill>
+                    <a:schemeClr val="tx1"/>
+                  </a:solidFill>
+                </a:ln>
+              </p:spPr>
+              <p:style>
+                <a:lnRef idx="2">
+                  <a:schemeClr val="accent1">
+                    <a:shade val="15000"/>
+                  </a:schemeClr>
+                </a:lnRef>
+                <a:fillRef idx="1">
+                  <a:schemeClr val="accent1"/>
+                </a:fillRef>
+                <a:effectRef idx="0">
+                  <a:schemeClr val="accent1"/>
+                </a:effectRef>
+                <a:fontRef idx="minor">
+                  <a:schemeClr val="lt1"/>
+                </a:fontRef>
+              </p:style>
+              <p:txBody>
+                <a:bodyPr rtlCol="0" anchor="ctr"/>
+                <a:lstStyle/>
+                <a:p>
+                  <a:pPr algn="ctr"/>
+                  <a:r>
+                    <a:rPr lang="en-US" b="1" dirty="0"/>
+                    <a:t>R</a:t>
+                  </a:r>
+                </a:p>
+              </p:txBody>
+            </p:sp>
+            <p:sp>
+              <p:nvSpPr>
+                <p:cNvPr id="7" name="Rectangle 6">
+                  <a:extLst>
+                    <a:ext uri="{FF2B5EF4-FFF2-40B4-BE49-F238E27FC236}">
+                      <a16:creationId xmlns:a16="http://schemas.microsoft.com/office/drawing/2014/main" id="{48831B38-D928-0489-056E-70BD5E4457A7}"/>
+                    </a:ext>
+                  </a:extLst>
+                </p:cNvPr>
+                <p:cNvSpPr/>
+                <p:nvPr/>
+              </p:nvSpPr>
+              <p:spPr>
+                <a:xfrm>
+                  <a:off x="938784" y="3255264"/>
+                  <a:ext cx="2176272" cy="725067"/>
+                </a:xfrm>
+                <a:prstGeom prst="rect">
+                  <a:avLst/>
+                </a:prstGeom>
+                <a:noFill/>
+                <a:ln w="28575">
+                  <a:solidFill>
+                    <a:schemeClr val="tx1"/>
+                  </a:solidFill>
+                </a:ln>
+              </p:spPr>
+              <p:style>
+                <a:lnRef idx="2">
+                  <a:schemeClr val="accent1">
+                    <a:shade val="15000"/>
+                  </a:schemeClr>
+                </a:lnRef>
+                <a:fillRef idx="1">
+                  <a:schemeClr val="accent1"/>
+                </a:fillRef>
+                <a:effectRef idx="0">
+                  <a:schemeClr val="accent1"/>
+                </a:effectRef>
+                <a:fontRef idx="minor">
+                  <a:schemeClr val="lt1"/>
+                </a:fontRef>
+              </p:style>
+              <p:txBody>
+                <a:bodyPr rtlCol="0" anchor="ctr"/>
+                <a:lstStyle/>
+                <a:p>
+                  <a:pPr algn="ctr"/>
+                  <a:endParaRPr lang="en-US" dirty="0"/>
+                </a:p>
+              </p:txBody>
+            </p:sp>
+          </p:grpSp>
+          <p:grpSp>
+            <p:nvGrpSpPr>
+              <p:cNvPr id="9" name="Group 8">
+                <a:extLst>
+                  <a:ext uri="{FF2B5EF4-FFF2-40B4-BE49-F238E27FC236}">
+                    <a16:creationId xmlns:a16="http://schemas.microsoft.com/office/drawing/2014/main" id="{D84D6AB9-4070-4139-B156-2004DB0F92D6}"/>
+                  </a:ext>
+                </a:extLst>
+              </p:cNvPr>
+              <p:cNvGrpSpPr/>
+              <p:nvPr/>
+            </p:nvGrpSpPr>
+            <p:grpSpPr>
+              <a:xfrm>
+                <a:off x="2246376" y="3437787"/>
+                <a:ext cx="2176272" cy="725424"/>
+                <a:chOff x="938784" y="3255264"/>
+                <a:chExt cx="2176272" cy="725424"/>
+              </a:xfrm>
+            </p:grpSpPr>
+            <p:sp>
+              <p:nvSpPr>
+                <p:cNvPr id="10" name="Rectangle 9">
+                  <a:extLst>
+                    <a:ext uri="{FF2B5EF4-FFF2-40B4-BE49-F238E27FC236}">
+                      <a16:creationId xmlns:a16="http://schemas.microsoft.com/office/drawing/2014/main" id="{19AE9E39-8494-307E-D148-9CFF36BE53D3}"/>
+                    </a:ext>
+                  </a:extLst>
+                </p:cNvPr>
+                <p:cNvSpPr/>
+                <p:nvPr/>
+              </p:nvSpPr>
+              <p:spPr>
+                <a:xfrm>
+                  <a:off x="2389632" y="3255264"/>
+                  <a:ext cx="725424" cy="725424"/>
+                </a:xfrm>
+                <a:prstGeom prst="rect">
+                  <a:avLst/>
+                </a:prstGeom>
+                <a:solidFill>
+                  <a:srgbClr val="0000FF"/>
+                </a:solidFill>
+                <a:ln>
+                  <a:solidFill>
+                    <a:schemeClr val="tx1"/>
+                  </a:solidFill>
+                </a:ln>
+              </p:spPr>
+              <p:style>
+                <a:lnRef idx="2">
+                  <a:schemeClr val="accent1">
+                    <a:shade val="15000"/>
+                  </a:schemeClr>
+                </a:lnRef>
+                <a:fillRef idx="1">
+                  <a:schemeClr val="accent1"/>
+                </a:fillRef>
+                <a:effectRef idx="0">
+                  <a:schemeClr val="accent1"/>
+                </a:effectRef>
+                <a:fontRef idx="minor">
+                  <a:schemeClr val="lt1"/>
+                </a:fontRef>
+              </p:style>
+              <p:txBody>
+                <a:bodyPr rtlCol="0" anchor="ctr"/>
+                <a:lstStyle/>
+                <a:p>
+                  <a:pPr algn="ctr"/>
+                  <a:r>
+                    <a:rPr lang="en-US" b="1" dirty="0"/>
+                    <a:t>B</a:t>
+                  </a:r>
+                </a:p>
+              </p:txBody>
+            </p:sp>
+            <p:sp>
+              <p:nvSpPr>
+                <p:cNvPr id="11" name="Rectangle 10">
+                  <a:extLst>
+                    <a:ext uri="{FF2B5EF4-FFF2-40B4-BE49-F238E27FC236}">
+                      <a16:creationId xmlns:a16="http://schemas.microsoft.com/office/drawing/2014/main" id="{4F7133F6-EF1D-59DB-DE9A-D2DAFA04543C}"/>
+                    </a:ext>
+                  </a:extLst>
+                </p:cNvPr>
+                <p:cNvSpPr/>
+                <p:nvPr/>
+              </p:nvSpPr>
+              <p:spPr>
+                <a:xfrm>
+                  <a:off x="1664208" y="3255264"/>
+                  <a:ext cx="725424" cy="725424"/>
+                </a:xfrm>
+                <a:prstGeom prst="rect">
+                  <a:avLst/>
+                </a:prstGeom>
+                <a:solidFill>
+                  <a:srgbClr val="00FF00"/>
+                </a:solidFill>
+                <a:ln>
+                  <a:solidFill>
+                    <a:schemeClr val="tx1"/>
+                  </a:solidFill>
+                </a:ln>
+              </p:spPr>
+              <p:style>
+                <a:lnRef idx="2">
+                  <a:schemeClr val="accent1">
+                    <a:shade val="15000"/>
+                  </a:schemeClr>
+                </a:lnRef>
+                <a:fillRef idx="1">
+                  <a:schemeClr val="accent1"/>
+                </a:fillRef>
+                <a:effectRef idx="0">
+                  <a:schemeClr val="accent1"/>
+                </a:effectRef>
+                <a:fontRef idx="minor">
+                  <a:schemeClr val="lt1"/>
+                </a:fontRef>
+              </p:style>
+              <p:txBody>
+                <a:bodyPr rtlCol="0" anchor="ctr"/>
+                <a:lstStyle/>
+                <a:p>
+                  <a:pPr algn="ctr"/>
+                  <a:r>
+                    <a:rPr lang="en-US" b="1" dirty="0"/>
+                    <a:t>G</a:t>
+                  </a:r>
+                </a:p>
+              </p:txBody>
+            </p:sp>
+            <p:sp>
+              <p:nvSpPr>
+                <p:cNvPr id="12" name="Rectangle 11">
+                  <a:extLst>
+                    <a:ext uri="{FF2B5EF4-FFF2-40B4-BE49-F238E27FC236}">
+                      <a16:creationId xmlns:a16="http://schemas.microsoft.com/office/drawing/2014/main" id="{45BF6EDC-5FCF-D0D8-9A21-E2FDB2485FD2}"/>
+                    </a:ext>
+                  </a:extLst>
+                </p:cNvPr>
+                <p:cNvSpPr/>
+                <p:nvPr/>
+              </p:nvSpPr>
+              <p:spPr>
+                <a:xfrm>
+                  <a:off x="938784" y="3255264"/>
+                  <a:ext cx="725424" cy="725424"/>
+                </a:xfrm>
+                <a:prstGeom prst="rect">
+                  <a:avLst/>
+                </a:prstGeom>
+                <a:solidFill>
+                  <a:srgbClr val="FF0000"/>
+                </a:solidFill>
+                <a:ln>
+                  <a:solidFill>
+                    <a:schemeClr val="tx1"/>
+                  </a:solidFill>
+                </a:ln>
+              </p:spPr>
+              <p:style>
+                <a:lnRef idx="2">
+                  <a:schemeClr val="accent1">
+                    <a:shade val="15000"/>
+                  </a:schemeClr>
+                </a:lnRef>
+                <a:fillRef idx="1">
+                  <a:schemeClr val="accent1"/>
+                </a:fillRef>
+                <a:effectRef idx="0">
+                  <a:schemeClr val="accent1"/>
+                </a:effectRef>
+                <a:fontRef idx="minor">
+                  <a:schemeClr val="lt1"/>
+                </a:fontRef>
+              </p:style>
+              <p:txBody>
+                <a:bodyPr rtlCol="0" anchor="ctr"/>
+                <a:lstStyle/>
+                <a:p>
+                  <a:pPr algn="ctr"/>
+                  <a:r>
+                    <a:rPr lang="en-US" b="1" dirty="0"/>
+                    <a:t>R</a:t>
+                  </a:r>
+                </a:p>
+              </p:txBody>
+            </p:sp>
+            <p:sp>
+              <p:nvSpPr>
+                <p:cNvPr id="13" name="Rectangle 12">
+                  <a:extLst>
+                    <a:ext uri="{FF2B5EF4-FFF2-40B4-BE49-F238E27FC236}">
+                      <a16:creationId xmlns:a16="http://schemas.microsoft.com/office/drawing/2014/main" id="{7715953E-DF1B-D40B-7053-D8275C0C6F04}"/>
+                    </a:ext>
+                  </a:extLst>
+                </p:cNvPr>
+                <p:cNvSpPr/>
+                <p:nvPr/>
+              </p:nvSpPr>
+              <p:spPr>
+                <a:xfrm>
+                  <a:off x="938784" y="3255264"/>
+                  <a:ext cx="2176272" cy="725067"/>
+                </a:xfrm>
+                <a:prstGeom prst="rect">
+                  <a:avLst/>
+                </a:prstGeom>
+                <a:noFill/>
+                <a:ln w="28575">
+                  <a:solidFill>
+                    <a:schemeClr val="tx1"/>
+                  </a:solidFill>
+                </a:ln>
+              </p:spPr>
+              <p:style>
+                <a:lnRef idx="2">
+                  <a:schemeClr val="accent1">
+                    <a:shade val="15000"/>
+                  </a:schemeClr>
+                </a:lnRef>
+                <a:fillRef idx="1">
+                  <a:schemeClr val="accent1"/>
+                </a:fillRef>
+                <a:effectRef idx="0">
+                  <a:schemeClr val="accent1"/>
+                </a:effectRef>
+                <a:fontRef idx="minor">
+                  <a:schemeClr val="lt1"/>
+                </a:fontRef>
+              </p:style>
+              <p:txBody>
+                <a:bodyPr rtlCol="0" anchor="ctr"/>
+                <a:lstStyle/>
+                <a:p>
+                  <a:pPr algn="ctr"/>
+                  <a:endParaRPr lang="en-US"/>
+                </a:p>
+              </p:txBody>
+            </p:sp>
+          </p:grpSp>
+          <p:grpSp>
+            <p:nvGrpSpPr>
+              <p:cNvPr id="14" name="Group 13">
+                <a:extLst>
+                  <a:ext uri="{FF2B5EF4-FFF2-40B4-BE49-F238E27FC236}">
+                    <a16:creationId xmlns:a16="http://schemas.microsoft.com/office/drawing/2014/main" id="{DA522A84-C239-DC66-FF03-12A5C5C6C6D0}"/>
+                  </a:ext>
+                </a:extLst>
+              </p:cNvPr>
+              <p:cNvGrpSpPr/>
+              <p:nvPr/>
+            </p:nvGrpSpPr>
+            <p:grpSpPr>
+              <a:xfrm>
+                <a:off x="4422648" y="3436532"/>
+                <a:ext cx="1980692" cy="726322"/>
+                <a:chOff x="938784" y="3254009"/>
+                <a:chExt cx="1980692" cy="726322"/>
+              </a:xfrm>
+            </p:grpSpPr>
+            <p:sp>
+              <p:nvSpPr>
+                <p:cNvPr id="19" name="Rectangle 18">
+                  <a:extLst>
+                    <a:ext uri="{FF2B5EF4-FFF2-40B4-BE49-F238E27FC236}">
+                      <a16:creationId xmlns:a16="http://schemas.microsoft.com/office/drawing/2014/main" id="{C4CE20CD-48E6-A560-6968-8AD883A25651}"/>
+                    </a:ext>
+                  </a:extLst>
+                </p:cNvPr>
+                <p:cNvSpPr/>
+                <p:nvPr/>
+              </p:nvSpPr>
+              <p:spPr>
+                <a:xfrm rot="16200000">
+                  <a:off x="948309" y="3493182"/>
+                  <a:ext cx="725424" cy="248158"/>
+                </a:xfrm>
+                <a:prstGeom prst="rect">
+                  <a:avLst/>
+                </a:prstGeom>
+                <a:solidFill>
+                  <a:schemeClr val="bg2">
+                    <a:lumMod val="75000"/>
+                  </a:schemeClr>
+                </a:solidFill>
+                <a:ln>
+                  <a:solidFill>
+                    <a:schemeClr val="tx1"/>
+                  </a:solidFill>
+                </a:ln>
+              </p:spPr>
+              <p:style>
+                <a:lnRef idx="2">
+                  <a:schemeClr val="accent1">
+                    <a:shade val="15000"/>
+                  </a:schemeClr>
+                </a:lnRef>
+                <a:fillRef idx="1">
+                  <a:schemeClr val="accent1"/>
+                </a:fillRef>
+                <a:effectRef idx="0">
+                  <a:schemeClr val="accent1"/>
+                </a:effectRef>
+                <a:fontRef idx="minor">
+                  <a:schemeClr val="lt1"/>
+                </a:fontRef>
+              </p:style>
+              <p:txBody>
+                <a:bodyPr rtlCol="0" anchor="ctr"/>
+                <a:lstStyle/>
+                <a:p>
+                  <a:pPr algn="ctr"/>
+                  <a:r>
+                    <a:rPr lang="en-US" sz="1400" dirty="0"/>
+                    <a:t>Month</a:t>
+                  </a:r>
+                </a:p>
+              </p:txBody>
+            </p:sp>
+            <p:sp>
+              <p:nvSpPr>
+                <p:cNvPr id="17" name="Rectangle 16">
+                  <a:extLst>
+                    <a:ext uri="{FF2B5EF4-FFF2-40B4-BE49-F238E27FC236}">
+                      <a16:creationId xmlns:a16="http://schemas.microsoft.com/office/drawing/2014/main" id="{3CAF6DC5-9FA3-1639-6D1D-A051108527D7}"/>
+                    </a:ext>
+                  </a:extLst>
+                </p:cNvPr>
+                <p:cNvSpPr/>
+                <p:nvPr/>
+              </p:nvSpPr>
+              <p:spPr>
+                <a:xfrm rot="16200000">
+                  <a:off x="700151" y="3493540"/>
+                  <a:ext cx="725424" cy="248158"/>
+                </a:xfrm>
+                <a:prstGeom prst="rect">
+                  <a:avLst/>
+                </a:prstGeom>
+                <a:solidFill>
+                  <a:schemeClr val="bg2">
+                    <a:lumMod val="75000"/>
+                  </a:schemeClr>
+                </a:solidFill>
+                <a:ln>
+                  <a:solidFill>
+                    <a:schemeClr val="tx1"/>
+                  </a:solidFill>
+                </a:ln>
+              </p:spPr>
+              <p:style>
+                <a:lnRef idx="2">
+                  <a:schemeClr val="accent1">
+                    <a:shade val="15000"/>
+                  </a:schemeClr>
+                </a:lnRef>
+                <a:fillRef idx="1">
+                  <a:schemeClr val="accent1"/>
+                </a:fillRef>
+                <a:effectRef idx="0">
+                  <a:schemeClr val="accent1"/>
+                </a:effectRef>
+                <a:fontRef idx="minor">
+                  <a:schemeClr val="lt1"/>
+                </a:fontRef>
+              </p:style>
+              <p:txBody>
+                <a:bodyPr rtlCol="0" anchor="ctr"/>
+                <a:lstStyle/>
+                <a:p>
+                  <a:pPr algn="ctr"/>
+                  <a:r>
+                    <a:rPr lang="en-US" sz="1600" dirty="0"/>
+                    <a:t>Year</a:t>
+                  </a:r>
+                </a:p>
+              </p:txBody>
+            </p:sp>
+            <p:sp>
+              <p:nvSpPr>
+                <p:cNvPr id="25" name="Rectangle 24">
+                  <a:extLst>
+                    <a:ext uri="{FF2B5EF4-FFF2-40B4-BE49-F238E27FC236}">
+                      <a16:creationId xmlns:a16="http://schemas.microsoft.com/office/drawing/2014/main" id="{98A4F21A-2E1D-6DD0-5E54-EB02E129A681}"/>
+                    </a:ext>
+                  </a:extLst>
+                </p:cNvPr>
+                <p:cNvSpPr/>
+                <p:nvPr/>
+              </p:nvSpPr>
+              <p:spPr>
+                <a:xfrm rot="16200000">
+                  <a:off x="1196467" y="3493182"/>
+                  <a:ext cx="725424" cy="248158"/>
+                </a:xfrm>
+                <a:prstGeom prst="rect">
+                  <a:avLst/>
+                </a:prstGeom>
+                <a:solidFill>
+                  <a:schemeClr val="bg2">
+                    <a:lumMod val="75000"/>
+                  </a:schemeClr>
+                </a:solidFill>
+                <a:ln>
+                  <a:solidFill>
+                    <a:schemeClr val="tx1"/>
+                  </a:solidFill>
+                </a:ln>
+              </p:spPr>
+              <p:style>
+                <a:lnRef idx="2">
+                  <a:schemeClr val="accent1">
+                    <a:shade val="15000"/>
+                  </a:schemeClr>
+                </a:lnRef>
+                <a:fillRef idx="1">
+                  <a:schemeClr val="accent1"/>
+                </a:fillRef>
+                <a:effectRef idx="0">
+                  <a:schemeClr val="accent1"/>
+                </a:effectRef>
+                <a:fontRef idx="minor">
+                  <a:schemeClr val="lt1"/>
+                </a:fontRef>
+              </p:style>
+              <p:txBody>
+                <a:bodyPr rtlCol="0" anchor="ctr"/>
+                <a:lstStyle/>
+                <a:p>
+                  <a:pPr algn="ctr"/>
+                  <a:r>
+                    <a:rPr lang="en-US" sz="1400" dirty="0"/>
+                    <a:t>Day</a:t>
+                  </a:r>
+                </a:p>
+              </p:txBody>
+            </p:sp>
+            <p:sp>
+              <p:nvSpPr>
+                <p:cNvPr id="26" name="Rectangle 25">
+                  <a:extLst>
+                    <a:ext uri="{FF2B5EF4-FFF2-40B4-BE49-F238E27FC236}">
+                      <a16:creationId xmlns:a16="http://schemas.microsoft.com/office/drawing/2014/main" id="{0579765B-4D84-38BA-B5FB-E02599D66DA3}"/>
+                    </a:ext>
+                  </a:extLst>
+                </p:cNvPr>
+                <p:cNvSpPr/>
+                <p:nvPr/>
+              </p:nvSpPr>
+              <p:spPr>
+                <a:xfrm rot="16200000">
+                  <a:off x="1444625" y="3493182"/>
+                  <a:ext cx="725424" cy="248158"/>
+                </a:xfrm>
+                <a:prstGeom prst="rect">
+                  <a:avLst/>
+                </a:prstGeom>
+                <a:solidFill>
+                  <a:schemeClr val="bg2">
+                    <a:lumMod val="75000"/>
+                  </a:schemeClr>
+                </a:solidFill>
+                <a:ln>
+                  <a:solidFill>
+                    <a:schemeClr val="tx1"/>
+                  </a:solidFill>
+                </a:ln>
+              </p:spPr>
+              <p:style>
+                <a:lnRef idx="2">
+                  <a:schemeClr val="accent1">
+                    <a:shade val="15000"/>
+                  </a:schemeClr>
+                </a:lnRef>
+                <a:fillRef idx="1">
+                  <a:schemeClr val="accent1"/>
+                </a:fillRef>
+                <a:effectRef idx="0">
+                  <a:schemeClr val="accent1"/>
+                </a:effectRef>
+                <a:fontRef idx="minor">
+                  <a:schemeClr val="lt1"/>
+                </a:fontRef>
+              </p:style>
+              <p:txBody>
+                <a:bodyPr rtlCol="0" anchor="ctr"/>
+                <a:lstStyle/>
+                <a:p>
+                  <a:pPr algn="ctr"/>
+                  <a:r>
+                    <a:rPr lang="en-US" sz="1400" dirty="0"/>
+                    <a:t>Minute</a:t>
+                  </a:r>
+                </a:p>
+              </p:txBody>
+            </p:sp>
+            <p:sp>
+              <p:nvSpPr>
+                <p:cNvPr id="27" name="Rectangle 26">
+                  <a:extLst>
+                    <a:ext uri="{FF2B5EF4-FFF2-40B4-BE49-F238E27FC236}">
+                      <a16:creationId xmlns:a16="http://schemas.microsoft.com/office/drawing/2014/main" id="{9BCFB5F5-42CC-E691-6A38-80EA9FB9F7F5}"/>
+                    </a:ext>
+                  </a:extLst>
+                </p:cNvPr>
+                <p:cNvSpPr/>
+                <p:nvPr/>
+              </p:nvSpPr>
+              <p:spPr>
+                <a:xfrm rot="16200000">
+                  <a:off x="1692783" y="3493182"/>
+                  <a:ext cx="725424" cy="248158"/>
+                </a:xfrm>
+                <a:prstGeom prst="rect">
+                  <a:avLst/>
+                </a:prstGeom>
+                <a:solidFill>
+                  <a:schemeClr val="bg2">
+                    <a:lumMod val="75000"/>
+                  </a:schemeClr>
+                </a:solidFill>
+                <a:ln>
+                  <a:solidFill>
+                    <a:schemeClr val="tx1"/>
+                  </a:solidFill>
+                </a:ln>
+              </p:spPr>
+              <p:style>
+                <a:lnRef idx="2">
+                  <a:schemeClr val="accent1">
+                    <a:shade val="15000"/>
+                  </a:schemeClr>
+                </a:lnRef>
+                <a:fillRef idx="1">
+                  <a:schemeClr val="accent1"/>
+                </a:fillRef>
+                <a:effectRef idx="0">
+                  <a:schemeClr val="accent1"/>
+                </a:effectRef>
+                <a:fontRef idx="minor">
+                  <a:schemeClr val="lt1"/>
+                </a:fontRef>
+              </p:style>
+              <p:txBody>
+                <a:bodyPr rtlCol="0" anchor="ctr"/>
+                <a:lstStyle/>
+                <a:p>
+                  <a:pPr algn="ctr"/>
+                  <a:r>
+                    <a:rPr lang="en-US" sz="1400" dirty="0"/>
+                    <a:t>GHI</a:t>
+                  </a:r>
+                </a:p>
+              </p:txBody>
+            </p:sp>
+            <p:sp>
+              <p:nvSpPr>
+                <p:cNvPr id="28" name="Rectangle 27">
+                  <a:extLst>
+                    <a:ext uri="{FF2B5EF4-FFF2-40B4-BE49-F238E27FC236}">
+                      <a16:creationId xmlns:a16="http://schemas.microsoft.com/office/drawing/2014/main" id="{22932291-EAF4-9E04-F1A5-3FDA969C0E4C}"/>
+                    </a:ext>
+                  </a:extLst>
+                </p:cNvPr>
+                <p:cNvSpPr/>
+                <p:nvPr/>
+              </p:nvSpPr>
+              <p:spPr>
+                <a:xfrm rot="16200000">
+                  <a:off x="1938909" y="3493003"/>
+                  <a:ext cx="725424" cy="248158"/>
+                </a:xfrm>
+                <a:prstGeom prst="rect">
+                  <a:avLst/>
+                </a:prstGeom>
+                <a:solidFill>
+                  <a:schemeClr val="bg2">
+                    <a:lumMod val="75000"/>
+                  </a:schemeClr>
+                </a:solidFill>
+                <a:ln>
+                  <a:solidFill>
+                    <a:schemeClr val="tx1"/>
+                  </a:solidFill>
+                </a:ln>
+              </p:spPr>
+              <p:style>
+                <a:lnRef idx="2">
+                  <a:schemeClr val="accent1">
+                    <a:shade val="15000"/>
+                  </a:schemeClr>
+                </a:lnRef>
+                <a:fillRef idx="1">
+                  <a:schemeClr val="accent1"/>
+                </a:fillRef>
+                <a:effectRef idx="0">
+                  <a:schemeClr val="accent1"/>
+                </a:effectRef>
+                <a:fontRef idx="minor">
+                  <a:schemeClr val="lt1"/>
+                </a:fontRef>
+              </p:style>
+              <p:txBody>
+                <a:bodyPr rtlCol="0" anchor="ctr"/>
+                <a:lstStyle/>
+                <a:p>
+                  <a:pPr algn="ctr"/>
+                  <a:r>
+                    <a:rPr lang="en-US" sz="1100" dirty="0"/>
+                    <a:t>Air Temp</a:t>
+                  </a:r>
+                </a:p>
+              </p:txBody>
+            </p:sp>
+            <p:sp>
+              <p:nvSpPr>
+                <p:cNvPr id="29" name="Rectangle 28">
+                  <a:extLst>
+                    <a:ext uri="{FF2B5EF4-FFF2-40B4-BE49-F238E27FC236}">
+                      <a16:creationId xmlns:a16="http://schemas.microsoft.com/office/drawing/2014/main" id="{EBEBC0A6-FE06-6298-1E9D-D54A58F47C3E}"/>
+                    </a:ext>
+                  </a:extLst>
+                </p:cNvPr>
+                <p:cNvSpPr/>
+                <p:nvPr/>
+              </p:nvSpPr>
+              <p:spPr>
+                <a:xfrm rot="16200000">
+                  <a:off x="2181987" y="3493002"/>
+                  <a:ext cx="725424" cy="248158"/>
+                </a:xfrm>
+                <a:prstGeom prst="rect">
+                  <a:avLst/>
+                </a:prstGeom>
+                <a:solidFill>
+                  <a:schemeClr val="bg2">
+                    <a:lumMod val="75000"/>
+                  </a:schemeClr>
+                </a:solidFill>
+                <a:ln>
+                  <a:solidFill>
+                    <a:schemeClr val="tx1"/>
+                  </a:solidFill>
+                </a:ln>
+              </p:spPr>
+              <p:style>
+                <a:lnRef idx="2">
+                  <a:schemeClr val="accent1">
+                    <a:shade val="15000"/>
+                  </a:schemeClr>
+                </a:lnRef>
+                <a:fillRef idx="1">
+                  <a:schemeClr val="accent1"/>
+                </a:fillRef>
+                <a:effectRef idx="0">
+                  <a:schemeClr val="accent1"/>
+                </a:effectRef>
+                <a:fontRef idx="minor">
+                  <a:schemeClr val="lt1"/>
+                </a:fontRef>
+              </p:style>
+              <p:txBody>
+                <a:bodyPr rtlCol="0" anchor="ctr"/>
+                <a:lstStyle/>
+                <a:p>
+                  <a:pPr algn="ctr"/>
+                  <a:r>
+                    <a:rPr lang="en-US" sz="1100" dirty="0"/>
+                    <a:t>Wind </a:t>
+                  </a:r>
+                  <a:r>
+                    <a:rPr lang="en-US" sz="1100" dirty="0" err="1"/>
+                    <a:t>spd</a:t>
+                  </a:r>
+                  <a:endParaRPr lang="en-US" sz="1100" dirty="0"/>
+                </a:p>
+              </p:txBody>
+            </p:sp>
+            <p:sp>
+              <p:nvSpPr>
+                <p:cNvPr id="30" name="Rectangle 29">
+                  <a:extLst>
+                    <a:ext uri="{FF2B5EF4-FFF2-40B4-BE49-F238E27FC236}">
+                      <a16:creationId xmlns:a16="http://schemas.microsoft.com/office/drawing/2014/main" id="{ECC29DD3-B2E7-2982-91C3-D06BB0208F38}"/>
+                    </a:ext>
+                  </a:extLst>
+                </p:cNvPr>
+                <p:cNvSpPr/>
+                <p:nvPr/>
+              </p:nvSpPr>
+              <p:spPr>
+                <a:xfrm rot="16200000">
+                  <a:off x="2428113" y="3493001"/>
+                  <a:ext cx="725424" cy="248158"/>
+                </a:xfrm>
+                <a:prstGeom prst="rect">
+                  <a:avLst/>
+                </a:prstGeom>
+                <a:solidFill>
+                  <a:schemeClr val="bg2">
+                    <a:lumMod val="75000"/>
+                  </a:schemeClr>
+                </a:solidFill>
+                <a:ln>
+                  <a:solidFill>
+                    <a:schemeClr val="tx1"/>
+                  </a:solidFill>
+                </a:ln>
+              </p:spPr>
+              <p:style>
+                <a:lnRef idx="2">
+                  <a:schemeClr val="accent1">
+                    <a:shade val="15000"/>
+                  </a:schemeClr>
+                </a:lnRef>
+                <a:fillRef idx="1">
+                  <a:schemeClr val="accent1"/>
+                </a:fillRef>
+                <a:effectRef idx="0">
+                  <a:schemeClr val="accent1"/>
+                </a:effectRef>
+                <a:fontRef idx="minor">
+                  <a:schemeClr val="lt1"/>
+                </a:fontRef>
+              </p:style>
+              <p:txBody>
+                <a:bodyPr rtlCol="0" anchor="ctr"/>
+                <a:lstStyle/>
+                <a:p>
+                  <a:pPr algn="ctr"/>
+                  <a:r>
+                    <a:rPr lang="en-US" sz="1200" dirty="0"/>
+                    <a:t>Wind </a:t>
+                  </a:r>
+                  <a:r>
+                    <a:rPr lang="en-US" sz="1200" dirty="0" err="1"/>
+                    <a:t>dir</a:t>
+                  </a:r>
+                  <a:endParaRPr lang="en-US" sz="1200" dirty="0"/>
+                </a:p>
+              </p:txBody>
+            </p:sp>
+            <p:sp>
+              <p:nvSpPr>
+                <p:cNvPr id="18" name="Rectangle 17">
+                  <a:extLst>
+                    <a:ext uri="{FF2B5EF4-FFF2-40B4-BE49-F238E27FC236}">
+                      <a16:creationId xmlns:a16="http://schemas.microsoft.com/office/drawing/2014/main" id="{CFC33924-477F-BB11-44CD-77C0A5F5C11D}"/>
+                    </a:ext>
+                  </a:extLst>
+                </p:cNvPr>
+                <p:cNvSpPr/>
+                <p:nvPr/>
+              </p:nvSpPr>
+              <p:spPr>
+                <a:xfrm>
+                  <a:off x="943356" y="3254009"/>
+                  <a:ext cx="1976120" cy="725067"/>
+                </a:xfrm>
+                <a:prstGeom prst="rect">
+                  <a:avLst/>
+                </a:prstGeom>
+                <a:noFill/>
+                <a:ln w="28575">
+                  <a:solidFill>
+                    <a:schemeClr val="tx1"/>
+                  </a:solidFill>
+                </a:ln>
+              </p:spPr>
+              <p:style>
+                <a:lnRef idx="2">
+                  <a:schemeClr val="accent1">
+                    <a:shade val="15000"/>
+                  </a:schemeClr>
+                </a:lnRef>
+                <a:fillRef idx="1">
+                  <a:schemeClr val="accent1"/>
+                </a:fillRef>
+                <a:effectRef idx="0">
+                  <a:schemeClr val="accent1"/>
+                </a:effectRef>
+                <a:fontRef idx="minor">
+                  <a:schemeClr val="lt1"/>
+                </a:fontRef>
+              </p:style>
+              <p:txBody>
+                <a:bodyPr rtlCol="0" anchor="ctr"/>
+                <a:lstStyle/>
+                <a:p>
+                  <a:pPr algn="ctr"/>
+                  <a:endParaRPr lang="en-US" dirty="0"/>
+                </a:p>
+              </p:txBody>
+            </p:sp>
+          </p:grpSp>
+          <p:sp>
+            <p:nvSpPr>
+              <p:cNvPr id="33" name="Rectangle 32">
+                <a:extLst>
+                  <a:ext uri="{FF2B5EF4-FFF2-40B4-BE49-F238E27FC236}">
+                    <a16:creationId xmlns:a16="http://schemas.microsoft.com/office/drawing/2014/main" id="{6DD953DE-CB9B-9350-BE37-B8EDD7BDF96D}"/>
+                  </a:ext>
+                </a:extLst>
+              </p:cNvPr>
+              <p:cNvSpPr/>
+              <p:nvPr/>
+            </p:nvSpPr>
+            <p:spPr>
+              <a:xfrm rot="16200000">
+                <a:off x="6162345" y="3674986"/>
+                <a:ext cx="725068" cy="248158"/>
+              </a:xfrm>
+              <a:prstGeom prst="rect">
+                <a:avLst/>
+              </a:prstGeom>
+              <a:solidFill>
+                <a:schemeClr val="accent2">
+                  <a:lumMod val="75000"/>
+                </a:schemeClr>
+              </a:solidFill>
+              <a:ln w="28575">
+                <a:solidFill>
+                  <a:schemeClr val="tx1"/>
+                </a:solidFill>
+              </a:ln>
+            </p:spPr>
+            <p:style>
+              <a:lnRef idx="2">
+                <a:schemeClr val="accent1">
+                  <a:shade val="15000"/>
+                </a:schemeClr>
+              </a:lnRef>
+              <a:fillRef idx="1">
+                <a:schemeClr val="accent1"/>
+              </a:fillRef>
+              <a:effectRef idx="0">
+                <a:schemeClr val="accent1"/>
+              </a:effectRef>
+              <a:fontRef idx="minor">
+                <a:schemeClr val="lt1"/>
+              </a:fontRef>
+            </p:style>
+            <p:txBody>
+              <a:bodyPr rtlCol="0" anchor="ctr"/>
+              <a:lstStyle/>
+              <a:p>
+                <a:pPr algn="ctr"/>
+                <a:r>
+                  <a:rPr lang="en-US" sz="1600" dirty="0"/>
+                  <a:t>Label</a:t>
+                </a:r>
+              </a:p>
+            </p:txBody>
+          </p:sp>
+        </p:grpSp>
+        <p:sp>
+          <p:nvSpPr>
+            <p:cNvPr id="42" name="Title 1">
+              <a:extLst>
+                <a:ext uri="{FF2B5EF4-FFF2-40B4-BE49-F238E27FC236}">
+                  <a16:creationId xmlns:a16="http://schemas.microsoft.com/office/drawing/2014/main" id="{C2207C6C-8017-F97B-FED9-9305733620CB}"/>
+                </a:ext>
+              </a:extLst>
+            </p:cNvPr>
+            <p:cNvSpPr txBox="1">
+              <a:spLocks/>
+            </p:cNvSpPr>
+            <p:nvPr/>
+          </p:nvSpPr>
+          <p:spPr>
+            <a:xfrm>
+              <a:off x="524222" y="2311546"/>
+              <a:ext cx="1227773" cy="241301"/>
+            </a:xfrm>
+            <a:prstGeom prst="rect">
+              <a:avLst/>
+            </a:prstGeom>
+          </p:spPr>
+          <p:txBody>
+            <a:bodyPr vert="horz" lIns="91440" tIns="45720" rIns="91440" bIns="45720" rtlCol="0" anchor="ctr">
+              <a:normAutofit fontScale="92500" lnSpcReduction="20000"/>
+            </a:bodyPr>
+            <a:lstStyle>
+              <a:lvl1pPr algn="l" defTabSz="685800" rtl="0" eaLnBrk="1" latinLnBrk="0" hangingPunct="1">
+                <a:lnSpc>
+                  <a:spcPct val="90000"/>
+                </a:lnSpc>
+                <a:spcBef>
+                  <a:spcPct val="0"/>
+                </a:spcBef>
+                <a:buNone/>
+                <a:defRPr sz="3300" kern="1200">
+                  <a:solidFill>
+                    <a:schemeClr val="tx1"/>
+                  </a:solidFill>
+                  <a:latin typeface="+mj-lt"/>
+                  <a:ea typeface="+mj-ea"/>
+                  <a:cs typeface="+mj-cs"/>
+                </a:defRPr>
+              </a:lvl1pPr>
+            </a:lstStyle>
+            <a:p>
+              <a:pPr algn="ctr"/>
+              <a:r>
+                <a:rPr lang="en-US" sz="1400" b="1" dirty="0">
+                  <a:latin typeface="+mn-lt"/>
+                </a:rPr>
+                <a:t>image0</a:t>
+              </a:r>
+              <a:endParaRPr lang="en-US" sz="2000" b="1" dirty="0">
+                <a:latin typeface="+mn-lt"/>
+              </a:endParaRPr>
+            </a:p>
+          </p:txBody>
+        </p:sp>
+        <p:sp>
+          <p:nvSpPr>
+            <p:cNvPr id="43" name="Title 1">
+              <a:extLst>
+                <a:ext uri="{FF2B5EF4-FFF2-40B4-BE49-F238E27FC236}">
+                  <a16:creationId xmlns:a16="http://schemas.microsoft.com/office/drawing/2014/main" id="{3697EAA4-2A5D-1D05-C301-D4D71144BD3E}"/>
+                </a:ext>
+              </a:extLst>
+            </p:cNvPr>
+            <p:cNvSpPr txBox="1">
+              <a:spLocks/>
+            </p:cNvSpPr>
+            <p:nvPr/>
+          </p:nvSpPr>
+          <p:spPr>
+            <a:xfrm>
+              <a:off x="2700494" y="2311546"/>
+              <a:ext cx="1227773" cy="241301"/>
+            </a:xfrm>
+            <a:prstGeom prst="rect">
+              <a:avLst/>
+            </a:prstGeom>
+          </p:spPr>
+          <p:txBody>
+            <a:bodyPr vert="horz" lIns="91440" tIns="45720" rIns="91440" bIns="45720" rtlCol="0" anchor="ctr">
+              <a:normAutofit fontScale="92500" lnSpcReduction="20000"/>
+            </a:bodyPr>
+            <a:lstStyle>
+              <a:lvl1pPr algn="l" defTabSz="685800" rtl="0" eaLnBrk="1" latinLnBrk="0" hangingPunct="1">
+                <a:lnSpc>
+                  <a:spcPct val="90000"/>
+                </a:lnSpc>
+                <a:spcBef>
+                  <a:spcPct val="0"/>
+                </a:spcBef>
+                <a:buNone/>
+                <a:defRPr sz="3300" kern="1200">
+                  <a:solidFill>
+                    <a:schemeClr val="tx1"/>
+                  </a:solidFill>
+                  <a:latin typeface="+mj-lt"/>
+                  <a:ea typeface="+mj-ea"/>
+                  <a:cs typeface="+mj-cs"/>
+                </a:defRPr>
+              </a:lvl1pPr>
+            </a:lstStyle>
+            <a:p>
+              <a:pPr algn="ctr"/>
+              <a:r>
+                <a:rPr lang="en-US" sz="1400" b="1" dirty="0">
+                  <a:latin typeface="+mn-lt"/>
+                </a:rPr>
+                <a:t>image1</a:t>
+              </a:r>
+              <a:endParaRPr lang="en-US" sz="2000" b="1" dirty="0">
+                <a:latin typeface="+mn-lt"/>
+              </a:endParaRPr>
+            </a:p>
+          </p:txBody>
+        </p:sp>
+        <p:sp>
+          <p:nvSpPr>
+            <p:cNvPr id="44" name="Title 1">
+              <a:extLst>
+                <a:ext uri="{FF2B5EF4-FFF2-40B4-BE49-F238E27FC236}">
+                  <a16:creationId xmlns:a16="http://schemas.microsoft.com/office/drawing/2014/main" id="{C50C6BDC-0DC9-1D4D-E810-B78604A54E3D}"/>
+                </a:ext>
+              </a:extLst>
+            </p:cNvPr>
+            <p:cNvSpPr txBox="1">
+              <a:spLocks/>
+            </p:cNvSpPr>
+            <p:nvPr/>
+          </p:nvSpPr>
+          <p:spPr>
+            <a:xfrm>
+              <a:off x="4774754" y="2311545"/>
+              <a:ext cx="1227773" cy="241301"/>
+            </a:xfrm>
+            <a:prstGeom prst="rect">
+              <a:avLst/>
+            </a:prstGeom>
+          </p:spPr>
+          <p:txBody>
+            <a:bodyPr vert="horz" lIns="91440" tIns="45720" rIns="91440" bIns="45720" rtlCol="0" anchor="ctr">
+              <a:normAutofit fontScale="92500" lnSpcReduction="20000"/>
+            </a:bodyPr>
+            <a:lstStyle>
+              <a:lvl1pPr algn="l" defTabSz="685800" rtl="0" eaLnBrk="1" latinLnBrk="0" hangingPunct="1">
+                <a:lnSpc>
+                  <a:spcPct val="90000"/>
+                </a:lnSpc>
+                <a:spcBef>
+                  <a:spcPct val="0"/>
+                </a:spcBef>
+                <a:buNone/>
+                <a:defRPr sz="3300" kern="1200">
+                  <a:solidFill>
+                    <a:schemeClr val="tx1"/>
+                  </a:solidFill>
+                  <a:latin typeface="+mj-lt"/>
+                  <a:ea typeface="+mj-ea"/>
+                  <a:cs typeface="+mj-cs"/>
+                </a:defRPr>
+              </a:lvl1pPr>
+            </a:lstStyle>
+            <a:p>
+              <a:pPr algn="ctr"/>
+              <a:r>
+                <a:rPr lang="en-US" sz="1400" b="1" dirty="0" err="1">
+                  <a:latin typeface="+mn-lt"/>
+                </a:rPr>
+                <a:t>meteo_data</a:t>
+              </a:r>
+              <a:endParaRPr lang="en-US" sz="2000" b="1" dirty="0">
+                <a:latin typeface="+mn-lt"/>
+              </a:endParaRPr>
+            </a:p>
+          </p:txBody>
+        </p:sp>
+        <p:sp>
+          <p:nvSpPr>
+            <p:cNvPr id="45" name="Title 1">
+              <a:extLst>
+                <a:ext uri="{FF2B5EF4-FFF2-40B4-BE49-F238E27FC236}">
+                  <a16:creationId xmlns:a16="http://schemas.microsoft.com/office/drawing/2014/main" id="{74663060-11A0-EA31-ACA9-DB27AC6777AA}"/>
+                </a:ext>
+              </a:extLst>
+            </p:cNvPr>
+            <p:cNvSpPr txBox="1">
+              <a:spLocks/>
+            </p:cNvSpPr>
+            <p:nvPr/>
+          </p:nvSpPr>
+          <p:spPr>
+            <a:xfrm rot="16200000">
+              <a:off x="5914022" y="2228232"/>
+              <a:ext cx="1227773" cy="241301"/>
+            </a:xfrm>
+            <a:prstGeom prst="rect">
+              <a:avLst/>
+            </a:prstGeom>
+          </p:spPr>
+          <p:txBody>
+            <a:bodyPr vert="horz" lIns="91440" tIns="45720" rIns="91440" bIns="45720" rtlCol="0" anchor="ctr">
+              <a:normAutofit fontScale="55000" lnSpcReduction="20000"/>
+            </a:bodyPr>
+            <a:lstStyle>
+              <a:lvl1pPr algn="l" defTabSz="685800" rtl="0" eaLnBrk="1" latinLnBrk="0" hangingPunct="1">
+                <a:lnSpc>
+                  <a:spcPct val="90000"/>
+                </a:lnSpc>
+                <a:spcBef>
+                  <a:spcPct val="0"/>
+                </a:spcBef>
+                <a:buNone/>
+                <a:defRPr sz="3300" kern="1200">
+                  <a:solidFill>
+                    <a:schemeClr val="tx1"/>
+                  </a:solidFill>
+                  <a:latin typeface="+mj-lt"/>
+                  <a:ea typeface="+mj-ea"/>
+                  <a:cs typeface="+mj-cs"/>
+                </a:defRPr>
+              </a:lvl1pPr>
+            </a:lstStyle>
+            <a:p>
+              <a:pPr algn="ctr"/>
+              <a:r>
+                <a:rPr lang="en-US" sz="2000" b="1" dirty="0">
+                  <a:latin typeface="+mn-lt"/>
+                </a:rPr>
+                <a:t>Label</a:t>
+              </a:r>
+            </a:p>
+          </p:txBody>
+        </p:sp>
+        <p:grpSp>
+          <p:nvGrpSpPr>
+            <p:cNvPr id="3" name="Group 2">
+              <a:extLst>
+                <a:ext uri="{FF2B5EF4-FFF2-40B4-BE49-F238E27FC236}">
+                  <a16:creationId xmlns:a16="http://schemas.microsoft.com/office/drawing/2014/main" id="{89F8AEFA-B562-EB47-A37B-AD123EC07AC0}"/>
+                </a:ext>
+              </a:extLst>
+            </p:cNvPr>
+            <p:cNvGrpSpPr/>
+            <p:nvPr/>
+          </p:nvGrpSpPr>
+          <p:grpSpPr>
+            <a:xfrm>
+              <a:off x="51686" y="3325304"/>
+              <a:ext cx="6578854" cy="727037"/>
+              <a:chOff x="70104" y="3436531"/>
+              <a:chExt cx="6578854" cy="727037"/>
+            </a:xfrm>
+          </p:grpSpPr>
+          <p:grpSp>
+            <p:nvGrpSpPr>
+              <p:cNvPr id="15" name="Group 14">
+                <a:extLst>
+                  <a:ext uri="{FF2B5EF4-FFF2-40B4-BE49-F238E27FC236}">
+                    <a16:creationId xmlns:a16="http://schemas.microsoft.com/office/drawing/2014/main" id="{CB3BFCEC-78B1-6F7B-8140-1BCA039E3517}"/>
+                  </a:ext>
+                </a:extLst>
+              </p:cNvPr>
+              <p:cNvGrpSpPr/>
+              <p:nvPr/>
+            </p:nvGrpSpPr>
+            <p:grpSpPr>
+              <a:xfrm>
+                <a:off x="70104" y="3438144"/>
+                <a:ext cx="2176272" cy="725424"/>
+                <a:chOff x="938784" y="3255264"/>
+                <a:chExt cx="2176272" cy="725424"/>
+              </a:xfrm>
+            </p:grpSpPr>
+            <p:sp>
+              <p:nvSpPr>
+                <p:cNvPr id="47" name="Rectangle 46">
+                  <a:extLst>
+                    <a:ext uri="{FF2B5EF4-FFF2-40B4-BE49-F238E27FC236}">
+                      <a16:creationId xmlns:a16="http://schemas.microsoft.com/office/drawing/2014/main" id="{E4A07D4B-D925-B6E0-7927-B9061577C7E9}"/>
+                    </a:ext>
+                  </a:extLst>
+                </p:cNvPr>
+                <p:cNvSpPr/>
+                <p:nvPr/>
+              </p:nvSpPr>
+              <p:spPr>
+                <a:xfrm>
+                  <a:off x="2389632" y="3255264"/>
+                  <a:ext cx="725424" cy="725424"/>
+                </a:xfrm>
+                <a:prstGeom prst="rect">
+                  <a:avLst/>
+                </a:prstGeom>
+                <a:solidFill>
+                  <a:srgbClr val="0000FF"/>
+                </a:solidFill>
+                <a:ln>
+                  <a:solidFill>
+                    <a:schemeClr val="tx1"/>
+                  </a:solidFill>
+                </a:ln>
+              </p:spPr>
+              <p:style>
+                <a:lnRef idx="2">
+                  <a:schemeClr val="accent1">
+                    <a:shade val="15000"/>
+                  </a:schemeClr>
+                </a:lnRef>
+                <a:fillRef idx="1">
+                  <a:schemeClr val="accent1"/>
+                </a:fillRef>
+                <a:effectRef idx="0">
+                  <a:schemeClr val="accent1"/>
+                </a:effectRef>
+                <a:fontRef idx="minor">
+                  <a:schemeClr val="lt1"/>
+                </a:fontRef>
+              </p:style>
+              <p:txBody>
+                <a:bodyPr rtlCol="0" anchor="ctr"/>
+                <a:lstStyle/>
+                <a:p>
+                  <a:pPr algn="ctr"/>
+                  <a:r>
+                    <a:rPr lang="en-US" b="1" dirty="0"/>
+                    <a:t>B</a:t>
+                  </a:r>
+                </a:p>
+              </p:txBody>
+            </p:sp>
+            <p:sp>
+              <p:nvSpPr>
+                <p:cNvPr id="48" name="Rectangle 47">
+                  <a:extLst>
+                    <a:ext uri="{FF2B5EF4-FFF2-40B4-BE49-F238E27FC236}">
+                      <a16:creationId xmlns:a16="http://schemas.microsoft.com/office/drawing/2014/main" id="{F6956B92-E1D3-2F6A-2B77-7641EA0E4616}"/>
+                    </a:ext>
+                  </a:extLst>
+                </p:cNvPr>
+                <p:cNvSpPr/>
+                <p:nvPr/>
+              </p:nvSpPr>
+              <p:spPr>
+                <a:xfrm>
+                  <a:off x="1664208" y="3255264"/>
+                  <a:ext cx="725424" cy="725424"/>
+                </a:xfrm>
+                <a:prstGeom prst="rect">
+                  <a:avLst/>
+                </a:prstGeom>
+                <a:solidFill>
+                  <a:srgbClr val="00FF00"/>
+                </a:solidFill>
+                <a:ln>
+                  <a:solidFill>
+                    <a:schemeClr val="tx1"/>
+                  </a:solidFill>
+                </a:ln>
+              </p:spPr>
+              <p:style>
+                <a:lnRef idx="2">
+                  <a:schemeClr val="accent1">
+                    <a:shade val="15000"/>
+                  </a:schemeClr>
+                </a:lnRef>
+                <a:fillRef idx="1">
+                  <a:schemeClr val="accent1"/>
+                </a:fillRef>
+                <a:effectRef idx="0">
+                  <a:schemeClr val="accent1"/>
+                </a:effectRef>
+                <a:fontRef idx="minor">
+                  <a:schemeClr val="lt1"/>
+                </a:fontRef>
+              </p:style>
+              <p:txBody>
+                <a:bodyPr rtlCol="0" anchor="ctr"/>
+                <a:lstStyle/>
+                <a:p>
+                  <a:pPr algn="ctr"/>
+                  <a:r>
+                    <a:rPr lang="en-US" b="1" dirty="0"/>
+                    <a:t>G</a:t>
+                  </a:r>
+                </a:p>
+              </p:txBody>
+            </p:sp>
+            <p:sp>
+              <p:nvSpPr>
+                <p:cNvPr id="49" name="Rectangle 48">
+                  <a:extLst>
+                    <a:ext uri="{FF2B5EF4-FFF2-40B4-BE49-F238E27FC236}">
+                      <a16:creationId xmlns:a16="http://schemas.microsoft.com/office/drawing/2014/main" id="{A5B7651D-55EC-8E8A-7EE1-07EB1CB2CD9E}"/>
+                    </a:ext>
+                  </a:extLst>
+                </p:cNvPr>
+                <p:cNvSpPr/>
+                <p:nvPr/>
+              </p:nvSpPr>
+              <p:spPr>
+                <a:xfrm>
+                  <a:off x="938784" y="3255264"/>
+                  <a:ext cx="725424" cy="725424"/>
+                </a:xfrm>
+                <a:prstGeom prst="rect">
+                  <a:avLst/>
+                </a:prstGeom>
+                <a:solidFill>
+                  <a:srgbClr val="FF0000"/>
+                </a:solidFill>
+                <a:ln>
+                  <a:solidFill>
+                    <a:schemeClr val="tx1"/>
+                  </a:solidFill>
+                </a:ln>
+              </p:spPr>
+              <p:style>
+                <a:lnRef idx="2">
+                  <a:schemeClr val="accent1">
+                    <a:shade val="15000"/>
+                  </a:schemeClr>
+                </a:lnRef>
+                <a:fillRef idx="1">
+                  <a:schemeClr val="accent1"/>
+                </a:fillRef>
+                <a:effectRef idx="0">
+                  <a:schemeClr val="accent1"/>
+                </a:effectRef>
+                <a:fontRef idx="minor">
+                  <a:schemeClr val="lt1"/>
+                </a:fontRef>
+              </p:style>
+              <p:txBody>
+                <a:bodyPr rtlCol="0" anchor="ctr"/>
+                <a:lstStyle/>
+                <a:p>
+                  <a:pPr algn="ctr"/>
+                  <a:r>
+                    <a:rPr lang="en-US" b="1" dirty="0"/>
+                    <a:t>R</a:t>
+                  </a:r>
+                </a:p>
+              </p:txBody>
+            </p:sp>
+            <p:sp>
+              <p:nvSpPr>
+                <p:cNvPr id="50" name="Rectangle 49">
+                  <a:extLst>
+                    <a:ext uri="{FF2B5EF4-FFF2-40B4-BE49-F238E27FC236}">
+                      <a16:creationId xmlns:a16="http://schemas.microsoft.com/office/drawing/2014/main" id="{FCB1D519-1C3C-5B23-480E-82BF7D42803F}"/>
+                    </a:ext>
+                  </a:extLst>
+                </p:cNvPr>
+                <p:cNvSpPr/>
+                <p:nvPr/>
+              </p:nvSpPr>
+              <p:spPr>
+                <a:xfrm>
+                  <a:off x="938784" y="3255264"/>
+                  <a:ext cx="2176272" cy="725067"/>
+                </a:xfrm>
+                <a:prstGeom prst="rect">
+                  <a:avLst/>
+                </a:prstGeom>
+                <a:noFill/>
+                <a:ln w="28575">
+                  <a:solidFill>
+                    <a:schemeClr val="tx1"/>
+                  </a:solidFill>
+                </a:ln>
+              </p:spPr>
+              <p:style>
+                <a:lnRef idx="2">
+                  <a:schemeClr val="accent1">
+                    <a:shade val="15000"/>
+                  </a:schemeClr>
+                </a:lnRef>
+                <a:fillRef idx="1">
+                  <a:schemeClr val="accent1"/>
+                </a:fillRef>
+                <a:effectRef idx="0">
+                  <a:schemeClr val="accent1"/>
+                </a:effectRef>
+                <a:fontRef idx="minor">
+                  <a:schemeClr val="lt1"/>
+                </a:fontRef>
+              </p:style>
+              <p:txBody>
+                <a:bodyPr rtlCol="0" anchor="ctr"/>
+                <a:lstStyle/>
+                <a:p>
+                  <a:pPr algn="ctr"/>
+                  <a:endParaRPr lang="en-US" dirty="0"/>
+                </a:p>
+              </p:txBody>
+            </p:sp>
+          </p:grpSp>
+          <p:grpSp>
+            <p:nvGrpSpPr>
+              <p:cNvPr id="16" name="Group 15">
+                <a:extLst>
+                  <a:ext uri="{FF2B5EF4-FFF2-40B4-BE49-F238E27FC236}">
+                    <a16:creationId xmlns:a16="http://schemas.microsoft.com/office/drawing/2014/main" id="{BF2E4E85-DDE0-146A-B86F-7C1EA6381C51}"/>
+                  </a:ext>
+                </a:extLst>
+              </p:cNvPr>
+              <p:cNvGrpSpPr/>
+              <p:nvPr/>
+            </p:nvGrpSpPr>
+            <p:grpSpPr>
+              <a:xfrm>
+                <a:off x="2246376" y="3437787"/>
+                <a:ext cx="2176272" cy="725424"/>
+                <a:chOff x="938784" y="3255264"/>
+                <a:chExt cx="2176272" cy="725424"/>
+              </a:xfrm>
+            </p:grpSpPr>
+            <p:sp>
+              <p:nvSpPr>
+                <p:cNvPr id="38" name="Rectangle 37">
+                  <a:extLst>
+                    <a:ext uri="{FF2B5EF4-FFF2-40B4-BE49-F238E27FC236}">
+                      <a16:creationId xmlns:a16="http://schemas.microsoft.com/office/drawing/2014/main" id="{445E2D94-27A8-2F7E-99C3-6ADDE6DC3AA5}"/>
+                    </a:ext>
+                  </a:extLst>
+                </p:cNvPr>
+                <p:cNvSpPr/>
+                <p:nvPr/>
+              </p:nvSpPr>
+              <p:spPr>
+                <a:xfrm>
+                  <a:off x="2389632" y="3255264"/>
+                  <a:ext cx="725424" cy="725424"/>
+                </a:xfrm>
+                <a:prstGeom prst="rect">
+                  <a:avLst/>
+                </a:prstGeom>
+                <a:solidFill>
+                  <a:srgbClr val="0000FF"/>
+                </a:solidFill>
+                <a:ln>
+                  <a:solidFill>
+                    <a:schemeClr val="tx1"/>
+                  </a:solidFill>
+                </a:ln>
+              </p:spPr>
+              <p:style>
+                <a:lnRef idx="2">
+                  <a:schemeClr val="accent1">
+                    <a:shade val="15000"/>
+                  </a:schemeClr>
+                </a:lnRef>
+                <a:fillRef idx="1">
+                  <a:schemeClr val="accent1"/>
+                </a:fillRef>
+                <a:effectRef idx="0">
+                  <a:schemeClr val="accent1"/>
+                </a:effectRef>
+                <a:fontRef idx="minor">
+                  <a:schemeClr val="lt1"/>
+                </a:fontRef>
+              </p:style>
+              <p:txBody>
+                <a:bodyPr rtlCol="0" anchor="ctr"/>
+                <a:lstStyle/>
+                <a:p>
+                  <a:pPr algn="ctr"/>
+                  <a:r>
+                    <a:rPr lang="en-US" b="1" dirty="0"/>
+                    <a:t>B</a:t>
+                  </a:r>
+                </a:p>
+              </p:txBody>
+            </p:sp>
+            <p:sp>
+              <p:nvSpPr>
+                <p:cNvPr id="39" name="Rectangle 38">
+                  <a:extLst>
+                    <a:ext uri="{FF2B5EF4-FFF2-40B4-BE49-F238E27FC236}">
+                      <a16:creationId xmlns:a16="http://schemas.microsoft.com/office/drawing/2014/main" id="{44A02892-F805-0FCA-C3BB-C97F127FB9B6}"/>
+                    </a:ext>
+                  </a:extLst>
+                </p:cNvPr>
+                <p:cNvSpPr/>
+                <p:nvPr/>
+              </p:nvSpPr>
+              <p:spPr>
+                <a:xfrm>
+                  <a:off x="1664208" y="3255264"/>
+                  <a:ext cx="725424" cy="725424"/>
+                </a:xfrm>
+                <a:prstGeom prst="rect">
+                  <a:avLst/>
+                </a:prstGeom>
+                <a:solidFill>
+                  <a:srgbClr val="00FF00"/>
+                </a:solidFill>
+                <a:ln>
+                  <a:solidFill>
+                    <a:schemeClr val="tx1"/>
+                  </a:solidFill>
+                </a:ln>
+              </p:spPr>
+              <p:style>
+                <a:lnRef idx="2">
+                  <a:schemeClr val="accent1">
+                    <a:shade val="15000"/>
+                  </a:schemeClr>
+                </a:lnRef>
+                <a:fillRef idx="1">
+                  <a:schemeClr val="accent1"/>
+                </a:fillRef>
+                <a:effectRef idx="0">
+                  <a:schemeClr val="accent1"/>
+                </a:effectRef>
+                <a:fontRef idx="minor">
+                  <a:schemeClr val="lt1"/>
+                </a:fontRef>
+              </p:style>
+              <p:txBody>
+                <a:bodyPr rtlCol="0" anchor="ctr"/>
+                <a:lstStyle/>
+                <a:p>
+                  <a:pPr algn="ctr"/>
+                  <a:r>
+                    <a:rPr lang="en-US" b="1" dirty="0"/>
+                    <a:t>G</a:t>
+                  </a:r>
+                </a:p>
+              </p:txBody>
+            </p:sp>
+            <p:sp>
+              <p:nvSpPr>
+                <p:cNvPr id="40" name="Rectangle 39">
+                  <a:extLst>
+                    <a:ext uri="{FF2B5EF4-FFF2-40B4-BE49-F238E27FC236}">
+                      <a16:creationId xmlns:a16="http://schemas.microsoft.com/office/drawing/2014/main" id="{2B0E51AB-7D15-791A-006D-4EF2CD0FA3C1}"/>
+                    </a:ext>
+                  </a:extLst>
+                </p:cNvPr>
+                <p:cNvSpPr/>
+                <p:nvPr/>
+              </p:nvSpPr>
+              <p:spPr>
+                <a:xfrm>
+                  <a:off x="938784" y="3255264"/>
+                  <a:ext cx="725424" cy="725424"/>
+                </a:xfrm>
+                <a:prstGeom prst="rect">
+                  <a:avLst/>
+                </a:prstGeom>
+                <a:solidFill>
+                  <a:srgbClr val="FF0000"/>
+                </a:solidFill>
+                <a:ln>
+                  <a:solidFill>
+                    <a:schemeClr val="tx1"/>
+                  </a:solidFill>
+                </a:ln>
+              </p:spPr>
+              <p:style>
+                <a:lnRef idx="2">
+                  <a:schemeClr val="accent1">
+                    <a:shade val="15000"/>
+                  </a:schemeClr>
+                </a:lnRef>
+                <a:fillRef idx="1">
+                  <a:schemeClr val="accent1"/>
+                </a:fillRef>
+                <a:effectRef idx="0">
+                  <a:schemeClr val="accent1"/>
+                </a:effectRef>
+                <a:fontRef idx="minor">
+                  <a:schemeClr val="lt1"/>
+                </a:fontRef>
+              </p:style>
+              <p:txBody>
+                <a:bodyPr rtlCol="0" anchor="ctr"/>
+                <a:lstStyle/>
+                <a:p>
+                  <a:pPr algn="ctr"/>
+                  <a:r>
+                    <a:rPr lang="en-US" b="1" dirty="0"/>
+                    <a:t>R</a:t>
+                  </a:r>
+                </a:p>
+              </p:txBody>
+            </p:sp>
+            <p:sp>
+              <p:nvSpPr>
+                <p:cNvPr id="46" name="Rectangle 45">
+                  <a:extLst>
+                    <a:ext uri="{FF2B5EF4-FFF2-40B4-BE49-F238E27FC236}">
+                      <a16:creationId xmlns:a16="http://schemas.microsoft.com/office/drawing/2014/main" id="{37F78C07-929B-BE2F-4332-416458D9FDD7}"/>
+                    </a:ext>
+                  </a:extLst>
+                </p:cNvPr>
+                <p:cNvSpPr/>
+                <p:nvPr/>
+              </p:nvSpPr>
+              <p:spPr>
+                <a:xfrm>
+                  <a:off x="938784" y="3255264"/>
+                  <a:ext cx="2176272" cy="725067"/>
+                </a:xfrm>
+                <a:prstGeom prst="rect">
+                  <a:avLst/>
+                </a:prstGeom>
+                <a:noFill/>
+                <a:ln w="28575">
+                  <a:solidFill>
+                    <a:schemeClr val="tx1"/>
+                  </a:solidFill>
+                </a:ln>
+              </p:spPr>
+              <p:style>
+                <a:lnRef idx="2">
+                  <a:schemeClr val="accent1">
+                    <a:shade val="15000"/>
+                  </a:schemeClr>
+                </a:lnRef>
+                <a:fillRef idx="1">
+                  <a:schemeClr val="accent1"/>
+                </a:fillRef>
+                <a:effectRef idx="0">
+                  <a:schemeClr val="accent1"/>
+                </a:effectRef>
+                <a:fontRef idx="minor">
+                  <a:schemeClr val="lt1"/>
+                </a:fontRef>
+              </p:style>
+              <p:txBody>
+                <a:bodyPr rtlCol="0" anchor="ctr"/>
+                <a:lstStyle/>
+                <a:p>
+                  <a:pPr algn="ctr"/>
+                  <a:endParaRPr lang="en-US"/>
+                </a:p>
+              </p:txBody>
+            </p:sp>
+          </p:grpSp>
+          <p:grpSp>
+            <p:nvGrpSpPr>
+              <p:cNvPr id="20" name="Group 19">
+                <a:extLst>
+                  <a:ext uri="{FF2B5EF4-FFF2-40B4-BE49-F238E27FC236}">
+                    <a16:creationId xmlns:a16="http://schemas.microsoft.com/office/drawing/2014/main" id="{5D02D22D-E8D7-911D-8630-928A51D44B55}"/>
+                  </a:ext>
+                </a:extLst>
+              </p:cNvPr>
+              <p:cNvGrpSpPr/>
+              <p:nvPr/>
+            </p:nvGrpSpPr>
+            <p:grpSpPr>
+              <a:xfrm>
+                <a:off x="4422648" y="3436532"/>
+                <a:ext cx="1980692" cy="726322"/>
+                <a:chOff x="938784" y="3254009"/>
+                <a:chExt cx="1980692" cy="726322"/>
+              </a:xfrm>
+            </p:grpSpPr>
+            <p:sp>
+              <p:nvSpPr>
+                <p:cNvPr id="22" name="Rectangle 21">
+                  <a:extLst>
+                    <a:ext uri="{FF2B5EF4-FFF2-40B4-BE49-F238E27FC236}">
+                      <a16:creationId xmlns:a16="http://schemas.microsoft.com/office/drawing/2014/main" id="{31445FB3-98DD-32D4-B338-5A0D2A2B9876}"/>
+                    </a:ext>
+                  </a:extLst>
+                </p:cNvPr>
+                <p:cNvSpPr/>
+                <p:nvPr/>
+              </p:nvSpPr>
+              <p:spPr>
+                <a:xfrm rot="16200000">
+                  <a:off x="948309" y="3493182"/>
+                  <a:ext cx="725424" cy="248158"/>
+                </a:xfrm>
+                <a:prstGeom prst="rect">
+                  <a:avLst/>
+                </a:prstGeom>
+                <a:solidFill>
+                  <a:schemeClr val="bg2">
+                    <a:lumMod val="75000"/>
+                  </a:schemeClr>
+                </a:solidFill>
+                <a:ln>
+                  <a:solidFill>
+                    <a:schemeClr val="tx1"/>
+                  </a:solidFill>
+                </a:ln>
+              </p:spPr>
+              <p:style>
+                <a:lnRef idx="2">
+                  <a:schemeClr val="accent1">
+                    <a:shade val="15000"/>
+                  </a:schemeClr>
+                </a:lnRef>
+                <a:fillRef idx="1">
+                  <a:schemeClr val="accent1"/>
+                </a:fillRef>
+                <a:effectRef idx="0">
+                  <a:schemeClr val="accent1"/>
+                </a:effectRef>
+                <a:fontRef idx="minor">
+                  <a:schemeClr val="lt1"/>
+                </a:fontRef>
+              </p:style>
+              <p:txBody>
+                <a:bodyPr rtlCol="0" anchor="ctr"/>
+                <a:lstStyle/>
+                <a:p>
+                  <a:pPr algn="ctr"/>
+                  <a:r>
+                    <a:rPr lang="en-US" sz="1400" dirty="0"/>
+                    <a:t>Month</a:t>
+                  </a:r>
+                </a:p>
+              </p:txBody>
+            </p:sp>
+            <p:sp>
+              <p:nvSpPr>
+                <p:cNvPr id="23" name="Rectangle 22">
+                  <a:extLst>
+                    <a:ext uri="{FF2B5EF4-FFF2-40B4-BE49-F238E27FC236}">
+                      <a16:creationId xmlns:a16="http://schemas.microsoft.com/office/drawing/2014/main" id="{B48F871B-46AC-0D7F-50DC-88F48EB69F31}"/>
+                    </a:ext>
+                  </a:extLst>
+                </p:cNvPr>
+                <p:cNvSpPr/>
+                <p:nvPr/>
+              </p:nvSpPr>
+              <p:spPr>
+                <a:xfrm rot="16200000">
+                  <a:off x="700151" y="3493540"/>
+                  <a:ext cx="725424" cy="248158"/>
+                </a:xfrm>
+                <a:prstGeom prst="rect">
+                  <a:avLst/>
+                </a:prstGeom>
+                <a:solidFill>
+                  <a:schemeClr val="bg2">
+                    <a:lumMod val="75000"/>
+                  </a:schemeClr>
+                </a:solidFill>
+                <a:ln>
+                  <a:solidFill>
+                    <a:schemeClr val="tx1"/>
+                  </a:solidFill>
+                </a:ln>
+              </p:spPr>
+              <p:style>
+                <a:lnRef idx="2">
+                  <a:schemeClr val="accent1">
+                    <a:shade val="15000"/>
+                  </a:schemeClr>
+                </a:lnRef>
+                <a:fillRef idx="1">
+                  <a:schemeClr val="accent1"/>
+                </a:fillRef>
+                <a:effectRef idx="0">
+                  <a:schemeClr val="accent1"/>
+                </a:effectRef>
+                <a:fontRef idx="minor">
+                  <a:schemeClr val="lt1"/>
+                </a:fontRef>
+              </p:style>
+              <p:txBody>
+                <a:bodyPr rtlCol="0" anchor="ctr"/>
+                <a:lstStyle/>
+                <a:p>
+                  <a:pPr algn="ctr"/>
+                  <a:r>
+                    <a:rPr lang="en-US" sz="1600" dirty="0"/>
+                    <a:t>Year</a:t>
+                  </a:r>
+                </a:p>
+              </p:txBody>
+            </p:sp>
+            <p:sp>
+              <p:nvSpPr>
+                <p:cNvPr id="24" name="Rectangle 23">
+                  <a:extLst>
+                    <a:ext uri="{FF2B5EF4-FFF2-40B4-BE49-F238E27FC236}">
+                      <a16:creationId xmlns:a16="http://schemas.microsoft.com/office/drawing/2014/main" id="{AA50743D-E03A-68AA-CF08-D7E1C26B0BE9}"/>
+                    </a:ext>
+                  </a:extLst>
+                </p:cNvPr>
+                <p:cNvSpPr/>
+                <p:nvPr/>
+              </p:nvSpPr>
+              <p:spPr>
+                <a:xfrm rot="16200000">
+                  <a:off x="1196467" y="3493182"/>
+                  <a:ext cx="725424" cy="248158"/>
+                </a:xfrm>
+                <a:prstGeom prst="rect">
+                  <a:avLst/>
+                </a:prstGeom>
+                <a:solidFill>
+                  <a:schemeClr val="bg2">
+                    <a:lumMod val="75000"/>
+                  </a:schemeClr>
+                </a:solidFill>
+                <a:ln>
+                  <a:solidFill>
+                    <a:schemeClr val="tx1"/>
+                  </a:solidFill>
+                </a:ln>
+              </p:spPr>
+              <p:style>
+                <a:lnRef idx="2">
+                  <a:schemeClr val="accent1">
+                    <a:shade val="15000"/>
+                  </a:schemeClr>
+                </a:lnRef>
+                <a:fillRef idx="1">
+                  <a:schemeClr val="accent1"/>
+                </a:fillRef>
+                <a:effectRef idx="0">
+                  <a:schemeClr val="accent1"/>
+                </a:effectRef>
+                <a:fontRef idx="minor">
+                  <a:schemeClr val="lt1"/>
+                </a:fontRef>
+              </p:style>
+              <p:txBody>
+                <a:bodyPr rtlCol="0" anchor="ctr"/>
+                <a:lstStyle/>
+                <a:p>
+                  <a:pPr algn="ctr"/>
+                  <a:r>
+                    <a:rPr lang="en-US" sz="1400" dirty="0"/>
+                    <a:t>Day</a:t>
+                  </a:r>
+                </a:p>
+              </p:txBody>
+            </p:sp>
+            <p:sp>
+              <p:nvSpPr>
+                <p:cNvPr id="31" name="Rectangle 30">
+                  <a:extLst>
+                    <a:ext uri="{FF2B5EF4-FFF2-40B4-BE49-F238E27FC236}">
+                      <a16:creationId xmlns:a16="http://schemas.microsoft.com/office/drawing/2014/main" id="{C8480223-6103-F579-98E9-452FB6F83215}"/>
+                    </a:ext>
+                  </a:extLst>
+                </p:cNvPr>
+                <p:cNvSpPr/>
+                <p:nvPr/>
+              </p:nvSpPr>
+              <p:spPr>
+                <a:xfrm rot="16200000">
+                  <a:off x="1444625" y="3493182"/>
+                  <a:ext cx="725424" cy="248158"/>
+                </a:xfrm>
+                <a:prstGeom prst="rect">
+                  <a:avLst/>
+                </a:prstGeom>
+                <a:solidFill>
+                  <a:schemeClr val="bg2">
+                    <a:lumMod val="75000"/>
+                  </a:schemeClr>
+                </a:solidFill>
+                <a:ln>
+                  <a:solidFill>
+                    <a:schemeClr val="tx1"/>
+                  </a:solidFill>
+                </a:ln>
+              </p:spPr>
+              <p:style>
+                <a:lnRef idx="2">
+                  <a:schemeClr val="accent1">
+                    <a:shade val="15000"/>
+                  </a:schemeClr>
+                </a:lnRef>
+                <a:fillRef idx="1">
+                  <a:schemeClr val="accent1"/>
+                </a:fillRef>
+                <a:effectRef idx="0">
+                  <a:schemeClr val="accent1"/>
+                </a:effectRef>
+                <a:fontRef idx="minor">
+                  <a:schemeClr val="lt1"/>
+                </a:fontRef>
+              </p:style>
+              <p:txBody>
+                <a:bodyPr rtlCol="0" anchor="ctr"/>
+                <a:lstStyle/>
+                <a:p>
+                  <a:pPr algn="ctr"/>
+                  <a:r>
+                    <a:rPr lang="en-US" sz="1400" dirty="0"/>
+                    <a:t>Minute</a:t>
+                  </a:r>
+                </a:p>
+              </p:txBody>
+            </p:sp>
+            <p:sp>
+              <p:nvSpPr>
+                <p:cNvPr id="32" name="Rectangle 31">
+                  <a:extLst>
+                    <a:ext uri="{FF2B5EF4-FFF2-40B4-BE49-F238E27FC236}">
+                      <a16:creationId xmlns:a16="http://schemas.microsoft.com/office/drawing/2014/main" id="{EC9FA7F9-316D-FB2F-7BB0-9FECEA8FD09C}"/>
+                    </a:ext>
+                  </a:extLst>
+                </p:cNvPr>
+                <p:cNvSpPr/>
+                <p:nvPr/>
+              </p:nvSpPr>
+              <p:spPr>
+                <a:xfrm rot="16200000">
+                  <a:off x="1692783" y="3493182"/>
+                  <a:ext cx="725424" cy="248158"/>
+                </a:xfrm>
+                <a:prstGeom prst="rect">
+                  <a:avLst/>
+                </a:prstGeom>
+                <a:solidFill>
+                  <a:schemeClr val="bg2">
+                    <a:lumMod val="75000"/>
+                  </a:schemeClr>
+                </a:solidFill>
+                <a:ln>
+                  <a:solidFill>
+                    <a:schemeClr val="tx1"/>
+                  </a:solidFill>
+                </a:ln>
+              </p:spPr>
+              <p:style>
+                <a:lnRef idx="2">
+                  <a:schemeClr val="accent1">
+                    <a:shade val="15000"/>
+                  </a:schemeClr>
+                </a:lnRef>
+                <a:fillRef idx="1">
+                  <a:schemeClr val="accent1"/>
+                </a:fillRef>
+                <a:effectRef idx="0">
+                  <a:schemeClr val="accent1"/>
+                </a:effectRef>
+                <a:fontRef idx="minor">
+                  <a:schemeClr val="lt1"/>
+                </a:fontRef>
+              </p:style>
+              <p:txBody>
+                <a:bodyPr rtlCol="0" anchor="ctr"/>
+                <a:lstStyle/>
+                <a:p>
+                  <a:pPr algn="ctr"/>
+                  <a:r>
+                    <a:rPr lang="en-US" sz="1400" dirty="0"/>
+                    <a:t>GHI</a:t>
+                  </a:r>
+                </a:p>
+              </p:txBody>
+            </p:sp>
+            <p:sp>
+              <p:nvSpPr>
+                <p:cNvPr id="34" name="Rectangle 33">
+                  <a:extLst>
+                    <a:ext uri="{FF2B5EF4-FFF2-40B4-BE49-F238E27FC236}">
+                      <a16:creationId xmlns:a16="http://schemas.microsoft.com/office/drawing/2014/main" id="{9AD85BFE-8D15-57D2-CD84-A28519A1AA50}"/>
+                    </a:ext>
+                  </a:extLst>
+                </p:cNvPr>
+                <p:cNvSpPr/>
+                <p:nvPr/>
+              </p:nvSpPr>
+              <p:spPr>
+                <a:xfrm rot="16200000">
+                  <a:off x="1938909" y="3493003"/>
+                  <a:ext cx="725424" cy="248158"/>
+                </a:xfrm>
+                <a:prstGeom prst="rect">
+                  <a:avLst/>
+                </a:prstGeom>
+                <a:solidFill>
+                  <a:schemeClr val="bg2">
+                    <a:lumMod val="75000"/>
+                  </a:schemeClr>
+                </a:solidFill>
+                <a:ln>
+                  <a:solidFill>
+                    <a:schemeClr val="tx1"/>
+                  </a:solidFill>
+                </a:ln>
+              </p:spPr>
+              <p:style>
+                <a:lnRef idx="2">
+                  <a:schemeClr val="accent1">
+                    <a:shade val="15000"/>
+                  </a:schemeClr>
+                </a:lnRef>
+                <a:fillRef idx="1">
+                  <a:schemeClr val="accent1"/>
+                </a:fillRef>
+                <a:effectRef idx="0">
+                  <a:schemeClr val="accent1"/>
+                </a:effectRef>
+                <a:fontRef idx="minor">
+                  <a:schemeClr val="lt1"/>
+                </a:fontRef>
+              </p:style>
+              <p:txBody>
+                <a:bodyPr rtlCol="0" anchor="ctr"/>
+                <a:lstStyle/>
+                <a:p>
+                  <a:pPr algn="ctr"/>
+                  <a:r>
+                    <a:rPr lang="en-US" sz="1100" dirty="0"/>
+                    <a:t>Air Temp</a:t>
+                  </a:r>
+                </a:p>
+              </p:txBody>
+            </p:sp>
+            <p:sp>
+              <p:nvSpPr>
+                <p:cNvPr id="35" name="Rectangle 34">
+                  <a:extLst>
+                    <a:ext uri="{FF2B5EF4-FFF2-40B4-BE49-F238E27FC236}">
+                      <a16:creationId xmlns:a16="http://schemas.microsoft.com/office/drawing/2014/main" id="{F1BA144F-947B-A375-D3E9-7F32A60FC3CC}"/>
+                    </a:ext>
+                  </a:extLst>
+                </p:cNvPr>
+                <p:cNvSpPr/>
+                <p:nvPr/>
+              </p:nvSpPr>
+              <p:spPr>
+                <a:xfrm rot="16200000">
+                  <a:off x="2181987" y="3493002"/>
+                  <a:ext cx="725424" cy="248158"/>
+                </a:xfrm>
+                <a:prstGeom prst="rect">
+                  <a:avLst/>
+                </a:prstGeom>
+                <a:solidFill>
+                  <a:schemeClr val="bg2">
+                    <a:lumMod val="75000"/>
+                  </a:schemeClr>
+                </a:solidFill>
+                <a:ln>
+                  <a:solidFill>
+                    <a:schemeClr val="tx1"/>
+                  </a:solidFill>
+                </a:ln>
+              </p:spPr>
+              <p:style>
+                <a:lnRef idx="2">
+                  <a:schemeClr val="accent1">
+                    <a:shade val="15000"/>
+                  </a:schemeClr>
+                </a:lnRef>
+                <a:fillRef idx="1">
+                  <a:schemeClr val="accent1"/>
+                </a:fillRef>
+                <a:effectRef idx="0">
+                  <a:schemeClr val="accent1"/>
+                </a:effectRef>
+                <a:fontRef idx="minor">
+                  <a:schemeClr val="lt1"/>
+                </a:fontRef>
+              </p:style>
+              <p:txBody>
+                <a:bodyPr rtlCol="0" anchor="ctr"/>
+                <a:lstStyle/>
+                <a:p>
+                  <a:pPr algn="ctr"/>
+                  <a:r>
+                    <a:rPr lang="en-US" sz="1100" dirty="0"/>
+                    <a:t>Wind </a:t>
+                  </a:r>
+                  <a:r>
+                    <a:rPr lang="en-US" sz="1100" dirty="0" err="1"/>
+                    <a:t>spd</a:t>
+                  </a:r>
+                  <a:endParaRPr lang="en-US" sz="1100" dirty="0"/>
+                </a:p>
+              </p:txBody>
+            </p:sp>
+            <p:sp>
+              <p:nvSpPr>
+                <p:cNvPr id="36" name="Rectangle 35">
+                  <a:extLst>
+                    <a:ext uri="{FF2B5EF4-FFF2-40B4-BE49-F238E27FC236}">
+                      <a16:creationId xmlns:a16="http://schemas.microsoft.com/office/drawing/2014/main" id="{8CB081F8-DB8E-DA56-54B2-AA614CCC724C}"/>
+                    </a:ext>
+                  </a:extLst>
+                </p:cNvPr>
+                <p:cNvSpPr/>
+                <p:nvPr/>
+              </p:nvSpPr>
+              <p:spPr>
+                <a:xfrm rot="16200000">
+                  <a:off x="2428113" y="3493001"/>
+                  <a:ext cx="725424" cy="248158"/>
+                </a:xfrm>
+                <a:prstGeom prst="rect">
+                  <a:avLst/>
+                </a:prstGeom>
+                <a:solidFill>
+                  <a:schemeClr val="bg2">
+                    <a:lumMod val="75000"/>
+                  </a:schemeClr>
+                </a:solidFill>
+                <a:ln>
+                  <a:solidFill>
+                    <a:schemeClr val="tx1"/>
+                  </a:solidFill>
+                </a:ln>
+              </p:spPr>
+              <p:style>
+                <a:lnRef idx="2">
+                  <a:schemeClr val="accent1">
+                    <a:shade val="15000"/>
+                  </a:schemeClr>
+                </a:lnRef>
+                <a:fillRef idx="1">
+                  <a:schemeClr val="accent1"/>
+                </a:fillRef>
+                <a:effectRef idx="0">
+                  <a:schemeClr val="accent1"/>
+                </a:effectRef>
+                <a:fontRef idx="minor">
+                  <a:schemeClr val="lt1"/>
+                </a:fontRef>
+              </p:style>
+              <p:txBody>
+                <a:bodyPr rtlCol="0" anchor="ctr"/>
+                <a:lstStyle/>
+                <a:p>
+                  <a:pPr algn="ctr"/>
+                  <a:r>
+                    <a:rPr lang="en-US" sz="1200" dirty="0"/>
+                    <a:t>Wind </a:t>
+                  </a:r>
+                  <a:r>
+                    <a:rPr lang="en-US" sz="1200" dirty="0" err="1"/>
+                    <a:t>dir</a:t>
+                  </a:r>
+                  <a:endParaRPr lang="en-US" sz="1200" dirty="0"/>
+                </a:p>
+              </p:txBody>
+            </p:sp>
+            <p:sp>
+              <p:nvSpPr>
+                <p:cNvPr id="37" name="Rectangle 36">
+                  <a:extLst>
+                    <a:ext uri="{FF2B5EF4-FFF2-40B4-BE49-F238E27FC236}">
+                      <a16:creationId xmlns:a16="http://schemas.microsoft.com/office/drawing/2014/main" id="{291994C4-E7FA-4AD7-9EDE-EB08D23AE4FF}"/>
+                    </a:ext>
+                  </a:extLst>
+                </p:cNvPr>
+                <p:cNvSpPr/>
+                <p:nvPr/>
+              </p:nvSpPr>
+              <p:spPr>
+                <a:xfrm>
+                  <a:off x="943356" y="3254009"/>
+                  <a:ext cx="1976120" cy="725067"/>
+                </a:xfrm>
+                <a:prstGeom prst="rect">
+                  <a:avLst/>
+                </a:prstGeom>
+                <a:noFill/>
+                <a:ln w="28575">
+                  <a:solidFill>
+                    <a:schemeClr val="tx1"/>
+                  </a:solidFill>
+                </a:ln>
+              </p:spPr>
+              <p:style>
+                <a:lnRef idx="2">
+                  <a:schemeClr val="accent1">
+                    <a:shade val="15000"/>
+                  </a:schemeClr>
+                </a:lnRef>
+                <a:fillRef idx="1">
+                  <a:schemeClr val="accent1"/>
+                </a:fillRef>
+                <a:effectRef idx="0">
+                  <a:schemeClr val="accent1"/>
+                </a:effectRef>
+                <a:fontRef idx="minor">
+                  <a:schemeClr val="lt1"/>
+                </a:fontRef>
+              </p:style>
+              <p:txBody>
+                <a:bodyPr rtlCol="0" anchor="ctr"/>
+                <a:lstStyle/>
+                <a:p>
+                  <a:pPr algn="ctr"/>
+                  <a:endParaRPr lang="en-US" dirty="0"/>
+                </a:p>
+              </p:txBody>
+            </p:sp>
+          </p:grpSp>
+          <p:sp>
+            <p:nvSpPr>
+              <p:cNvPr id="21" name="Rectangle 20">
+                <a:extLst>
+                  <a:ext uri="{FF2B5EF4-FFF2-40B4-BE49-F238E27FC236}">
+                    <a16:creationId xmlns:a16="http://schemas.microsoft.com/office/drawing/2014/main" id="{F880DD2E-0587-B42D-111C-D2F7EA9A535E}"/>
+                  </a:ext>
+                </a:extLst>
+              </p:cNvPr>
+              <p:cNvSpPr/>
+              <p:nvPr/>
+            </p:nvSpPr>
+            <p:spPr>
+              <a:xfrm rot="16200000">
+                <a:off x="6162345" y="3674986"/>
+                <a:ext cx="725068" cy="248158"/>
+              </a:xfrm>
+              <a:prstGeom prst="rect">
+                <a:avLst/>
+              </a:prstGeom>
+              <a:solidFill>
+                <a:schemeClr val="accent2">
+                  <a:lumMod val="75000"/>
+                </a:schemeClr>
+              </a:solidFill>
+              <a:ln w="28575">
+                <a:solidFill>
+                  <a:schemeClr val="tx1"/>
+                </a:solidFill>
+              </a:ln>
+            </p:spPr>
+            <p:style>
+              <a:lnRef idx="2">
+                <a:schemeClr val="accent1">
+                  <a:shade val="15000"/>
+                </a:schemeClr>
+              </a:lnRef>
+              <a:fillRef idx="1">
+                <a:schemeClr val="accent1"/>
+              </a:fillRef>
+              <a:effectRef idx="0">
+                <a:schemeClr val="accent1"/>
+              </a:effectRef>
+              <a:fontRef idx="minor">
+                <a:schemeClr val="lt1"/>
+              </a:fontRef>
+            </p:style>
+            <p:txBody>
+              <a:bodyPr rtlCol="0" anchor="ctr"/>
+              <a:lstStyle/>
+              <a:p>
+                <a:pPr algn="ctr"/>
+                <a:r>
+                  <a:rPr lang="en-US" sz="1600" dirty="0"/>
+                  <a:t>Label</a:t>
+                </a:r>
+              </a:p>
+            </p:txBody>
+          </p:sp>
+        </p:grpSp>
+        <p:grpSp>
+          <p:nvGrpSpPr>
+            <p:cNvPr id="51" name="Group 50">
+              <a:extLst>
+                <a:ext uri="{FF2B5EF4-FFF2-40B4-BE49-F238E27FC236}">
+                  <a16:creationId xmlns:a16="http://schemas.microsoft.com/office/drawing/2014/main" id="{AC8A8FBD-5AAB-AE29-00F3-9EBE394060C3}"/>
+                </a:ext>
+              </a:extLst>
+            </p:cNvPr>
+            <p:cNvGrpSpPr/>
+            <p:nvPr/>
+          </p:nvGrpSpPr>
+          <p:grpSpPr>
+            <a:xfrm>
+              <a:off x="53399" y="4050372"/>
+              <a:ext cx="6578854" cy="727037"/>
+              <a:chOff x="70104" y="3436531"/>
+              <a:chExt cx="6578854" cy="727037"/>
+            </a:xfrm>
+          </p:grpSpPr>
+          <p:grpSp>
+            <p:nvGrpSpPr>
+              <p:cNvPr id="52" name="Group 51">
+                <a:extLst>
+                  <a:ext uri="{FF2B5EF4-FFF2-40B4-BE49-F238E27FC236}">
+                    <a16:creationId xmlns:a16="http://schemas.microsoft.com/office/drawing/2014/main" id="{08F10C03-60A4-7F79-692C-251B7A39AF8C}"/>
+                  </a:ext>
+                </a:extLst>
+              </p:cNvPr>
+              <p:cNvGrpSpPr/>
+              <p:nvPr/>
+            </p:nvGrpSpPr>
+            <p:grpSpPr>
+              <a:xfrm>
+                <a:off x="70104" y="3438144"/>
+                <a:ext cx="2176272" cy="725424"/>
+                <a:chOff x="938784" y="3255264"/>
+                <a:chExt cx="2176272" cy="725424"/>
+              </a:xfrm>
+            </p:grpSpPr>
+            <p:sp>
+              <p:nvSpPr>
+                <p:cNvPr id="69" name="Rectangle 68">
+                  <a:extLst>
+                    <a:ext uri="{FF2B5EF4-FFF2-40B4-BE49-F238E27FC236}">
+                      <a16:creationId xmlns:a16="http://schemas.microsoft.com/office/drawing/2014/main" id="{5669B57F-B49E-68DA-2EF3-572B99D9DBD5}"/>
+                    </a:ext>
+                  </a:extLst>
+                </p:cNvPr>
+                <p:cNvSpPr/>
+                <p:nvPr/>
+              </p:nvSpPr>
+              <p:spPr>
+                <a:xfrm>
+                  <a:off x="2389632" y="3255264"/>
+                  <a:ext cx="725424" cy="725424"/>
+                </a:xfrm>
+                <a:prstGeom prst="rect">
+                  <a:avLst/>
+                </a:prstGeom>
+                <a:solidFill>
+                  <a:srgbClr val="0000FF"/>
+                </a:solidFill>
+                <a:ln>
+                  <a:solidFill>
+                    <a:schemeClr val="tx1"/>
+                  </a:solidFill>
+                </a:ln>
+              </p:spPr>
+              <p:style>
+                <a:lnRef idx="2">
+                  <a:schemeClr val="accent1">
+                    <a:shade val="15000"/>
+                  </a:schemeClr>
+                </a:lnRef>
+                <a:fillRef idx="1">
+                  <a:schemeClr val="accent1"/>
+                </a:fillRef>
+                <a:effectRef idx="0">
+                  <a:schemeClr val="accent1"/>
+                </a:effectRef>
+                <a:fontRef idx="minor">
+                  <a:schemeClr val="lt1"/>
+                </a:fontRef>
+              </p:style>
+              <p:txBody>
+                <a:bodyPr rtlCol="0" anchor="ctr"/>
+                <a:lstStyle/>
+                <a:p>
+                  <a:pPr algn="ctr"/>
+                  <a:r>
+                    <a:rPr lang="en-US" b="1" dirty="0"/>
+                    <a:t>B</a:t>
+                  </a:r>
+                </a:p>
+              </p:txBody>
+            </p:sp>
+            <p:sp>
+              <p:nvSpPr>
+                <p:cNvPr id="70" name="Rectangle 69">
+                  <a:extLst>
+                    <a:ext uri="{FF2B5EF4-FFF2-40B4-BE49-F238E27FC236}">
+                      <a16:creationId xmlns:a16="http://schemas.microsoft.com/office/drawing/2014/main" id="{E1C3054F-27D9-16B7-F4CC-63C08CF21C76}"/>
+                    </a:ext>
+                  </a:extLst>
+                </p:cNvPr>
+                <p:cNvSpPr/>
+                <p:nvPr/>
+              </p:nvSpPr>
+              <p:spPr>
+                <a:xfrm>
+                  <a:off x="1664208" y="3255264"/>
+                  <a:ext cx="725424" cy="725424"/>
+                </a:xfrm>
+                <a:prstGeom prst="rect">
+                  <a:avLst/>
+                </a:prstGeom>
+                <a:solidFill>
+                  <a:srgbClr val="00FF00"/>
+                </a:solidFill>
+                <a:ln>
+                  <a:solidFill>
+                    <a:schemeClr val="tx1"/>
+                  </a:solidFill>
+                </a:ln>
+              </p:spPr>
+              <p:style>
+                <a:lnRef idx="2">
+                  <a:schemeClr val="accent1">
+                    <a:shade val="15000"/>
+                  </a:schemeClr>
+                </a:lnRef>
+                <a:fillRef idx="1">
+                  <a:schemeClr val="accent1"/>
+                </a:fillRef>
+                <a:effectRef idx="0">
+                  <a:schemeClr val="accent1"/>
+                </a:effectRef>
+                <a:fontRef idx="minor">
+                  <a:schemeClr val="lt1"/>
+                </a:fontRef>
+              </p:style>
+              <p:txBody>
+                <a:bodyPr rtlCol="0" anchor="ctr"/>
+                <a:lstStyle/>
+                <a:p>
+                  <a:pPr algn="ctr"/>
+                  <a:r>
+                    <a:rPr lang="en-US" b="1" dirty="0"/>
+                    <a:t>G</a:t>
+                  </a:r>
+                </a:p>
+              </p:txBody>
+            </p:sp>
+            <p:sp>
+              <p:nvSpPr>
+                <p:cNvPr id="71" name="Rectangle 70">
+                  <a:extLst>
+                    <a:ext uri="{FF2B5EF4-FFF2-40B4-BE49-F238E27FC236}">
+                      <a16:creationId xmlns:a16="http://schemas.microsoft.com/office/drawing/2014/main" id="{0F19C489-A233-F1A8-4892-6BA5A0107F8C}"/>
+                    </a:ext>
+                  </a:extLst>
+                </p:cNvPr>
+                <p:cNvSpPr/>
+                <p:nvPr/>
+              </p:nvSpPr>
+              <p:spPr>
+                <a:xfrm>
+                  <a:off x="938784" y="3255264"/>
+                  <a:ext cx="725424" cy="725424"/>
+                </a:xfrm>
+                <a:prstGeom prst="rect">
+                  <a:avLst/>
+                </a:prstGeom>
+                <a:solidFill>
+                  <a:srgbClr val="FF0000"/>
+                </a:solidFill>
+                <a:ln>
+                  <a:solidFill>
+                    <a:schemeClr val="tx1"/>
+                  </a:solidFill>
+                </a:ln>
+              </p:spPr>
+              <p:style>
+                <a:lnRef idx="2">
+                  <a:schemeClr val="accent1">
+                    <a:shade val="15000"/>
+                  </a:schemeClr>
+                </a:lnRef>
+                <a:fillRef idx="1">
+                  <a:schemeClr val="accent1"/>
+                </a:fillRef>
+                <a:effectRef idx="0">
+                  <a:schemeClr val="accent1"/>
+                </a:effectRef>
+                <a:fontRef idx="minor">
+                  <a:schemeClr val="lt1"/>
+                </a:fontRef>
+              </p:style>
+              <p:txBody>
+                <a:bodyPr rtlCol="0" anchor="ctr"/>
+                <a:lstStyle/>
+                <a:p>
+                  <a:pPr algn="ctr"/>
+                  <a:r>
+                    <a:rPr lang="en-US" b="1" dirty="0"/>
+                    <a:t>R</a:t>
+                  </a:r>
+                </a:p>
+              </p:txBody>
+            </p:sp>
+            <p:sp>
+              <p:nvSpPr>
+                <p:cNvPr id="72" name="Rectangle 71">
+                  <a:extLst>
+                    <a:ext uri="{FF2B5EF4-FFF2-40B4-BE49-F238E27FC236}">
+                      <a16:creationId xmlns:a16="http://schemas.microsoft.com/office/drawing/2014/main" id="{FD47C211-0BF8-B7B7-526A-3B8625ADC5FD}"/>
+                    </a:ext>
+                  </a:extLst>
+                </p:cNvPr>
+                <p:cNvSpPr/>
+                <p:nvPr/>
+              </p:nvSpPr>
+              <p:spPr>
+                <a:xfrm>
+                  <a:off x="938784" y="3255264"/>
+                  <a:ext cx="2176272" cy="725067"/>
+                </a:xfrm>
+                <a:prstGeom prst="rect">
+                  <a:avLst/>
+                </a:prstGeom>
+                <a:noFill/>
+                <a:ln w="28575">
+                  <a:solidFill>
+                    <a:schemeClr val="tx1"/>
+                  </a:solidFill>
+                </a:ln>
+              </p:spPr>
+              <p:style>
+                <a:lnRef idx="2">
+                  <a:schemeClr val="accent1">
+                    <a:shade val="15000"/>
+                  </a:schemeClr>
+                </a:lnRef>
+                <a:fillRef idx="1">
+                  <a:schemeClr val="accent1"/>
+                </a:fillRef>
+                <a:effectRef idx="0">
+                  <a:schemeClr val="accent1"/>
+                </a:effectRef>
+                <a:fontRef idx="minor">
+                  <a:schemeClr val="lt1"/>
+                </a:fontRef>
+              </p:style>
+              <p:txBody>
+                <a:bodyPr rtlCol="0" anchor="ctr"/>
+                <a:lstStyle/>
+                <a:p>
+                  <a:pPr algn="ctr"/>
+                  <a:endParaRPr lang="en-US" dirty="0"/>
+                </a:p>
+              </p:txBody>
+            </p:sp>
+          </p:grpSp>
+          <p:grpSp>
+            <p:nvGrpSpPr>
+              <p:cNvPr id="53" name="Group 52">
+                <a:extLst>
+                  <a:ext uri="{FF2B5EF4-FFF2-40B4-BE49-F238E27FC236}">
+                    <a16:creationId xmlns:a16="http://schemas.microsoft.com/office/drawing/2014/main" id="{13745BC1-2823-DAA0-C37C-D793CBE5362B}"/>
+                  </a:ext>
+                </a:extLst>
+              </p:cNvPr>
+              <p:cNvGrpSpPr/>
+              <p:nvPr/>
+            </p:nvGrpSpPr>
+            <p:grpSpPr>
+              <a:xfrm>
+                <a:off x="2246376" y="3437787"/>
+                <a:ext cx="2176272" cy="725424"/>
+                <a:chOff x="938784" y="3255264"/>
+                <a:chExt cx="2176272" cy="725424"/>
+              </a:xfrm>
+            </p:grpSpPr>
+            <p:sp>
+              <p:nvSpPr>
+                <p:cNvPr id="65" name="Rectangle 64">
+                  <a:extLst>
+                    <a:ext uri="{FF2B5EF4-FFF2-40B4-BE49-F238E27FC236}">
+                      <a16:creationId xmlns:a16="http://schemas.microsoft.com/office/drawing/2014/main" id="{500100E8-9B45-0457-1B12-729605E5927F}"/>
+                    </a:ext>
+                  </a:extLst>
+                </p:cNvPr>
+                <p:cNvSpPr/>
+                <p:nvPr/>
+              </p:nvSpPr>
+              <p:spPr>
+                <a:xfrm>
+                  <a:off x="2389632" y="3255264"/>
+                  <a:ext cx="725424" cy="725424"/>
+                </a:xfrm>
+                <a:prstGeom prst="rect">
+                  <a:avLst/>
+                </a:prstGeom>
+                <a:solidFill>
+                  <a:srgbClr val="0000FF"/>
+                </a:solidFill>
+                <a:ln>
+                  <a:solidFill>
+                    <a:schemeClr val="tx1"/>
+                  </a:solidFill>
+                </a:ln>
+              </p:spPr>
+              <p:style>
+                <a:lnRef idx="2">
+                  <a:schemeClr val="accent1">
+                    <a:shade val="15000"/>
+                  </a:schemeClr>
+                </a:lnRef>
+                <a:fillRef idx="1">
+                  <a:schemeClr val="accent1"/>
+                </a:fillRef>
+                <a:effectRef idx="0">
+                  <a:schemeClr val="accent1"/>
+                </a:effectRef>
+                <a:fontRef idx="minor">
+                  <a:schemeClr val="lt1"/>
+                </a:fontRef>
+              </p:style>
+              <p:txBody>
+                <a:bodyPr rtlCol="0" anchor="ctr"/>
+                <a:lstStyle/>
+                <a:p>
+                  <a:pPr algn="ctr"/>
+                  <a:r>
+                    <a:rPr lang="en-US" b="1" dirty="0"/>
+                    <a:t>B</a:t>
+                  </a:r>
+                </a:p>
+              </p:txBody>
+            </p:sp>
+            <p:sp>
+              <p:nvSpPr>
+                <p:cNvPr id="66" name="Rectangle 65">
+                  <a:extLst>
+                    <a:ext uri="{FF2B5EF4-FFF2-40B4-BE49-F238E27FC236}">
+                      <a16:creationId xmlns:a16="http://schemas.microsoft.com/office/drawing/2014/main" id="{CEC5E451-1536-9EFB-095D-2DE1AB617055}"/>
+                    </a:ext>
+                  </a:extLst>
+                </p:cNvPr>
+                <p:cNvSpPr/>
+                <p:nvPr/>
+              </p:nvSpPr>
+              <p:spPr>
+                <a:xfrm>
+                  <a:off x="1664208" y="3255264"/>
+                  <a:ext cx="725424" cy="725424"/>
+                </a:xfrm>
+                <a:prstGeom prst="rect">
+                  <a:avLst/>
+                </a:prstGeom>
+                <a:solidFill>
+                  <a:srgbClr val="00FF00"/>
+                </a:solidFill>
+                <a:ln>
+                  <a:solidFill>
+                    <a:schemeClr val="tx1"/>
+                  </a:solidFill>
+                </a:ln>
+              </p:spPr>
+              <p:style>
+                <a:lnRef idx="2">
+                  <a:schemeClr val="accent1">
+                    <a:shade val="15000"/>
+                  </a:schemeClr>
+                </a:lnRef>
+                <a:fillRef idx="1">
+                  <a:schemeClr val="accent1"/>
+                </a:fillRef>
+                <a:effectRef idx="0">
+                  <a:schemeClr val="accent1"/>
+                </a:effectRef>
+                <a:fontRef idx="minor">
+                  <a:schemeClr val="lt1"/>
+                </a:fontRef>
+              </p:style>
+              <p:txBody>
+                <a:bodyPr rtlCol="0" anchor="ctr"/>
+                <a:lstStyle/>
+                <a:p>
+                  <a:pPr algn="ctr"/>
+                  <a:r>
+                    <a:rPr lang="en-US" b="1" dirty="0"/>
+                    <a:t>G</a:t>
+                  </a:r>
+                </a:p>
+              </p:txBody>
+            </p:sp>
+            <p:sp>
+              <p:nvSpPr>
+                <p:cNvPr id="67" name="Rectangle 66">
+                  <a:extLst>
+                    <a:ext uri="{FF2B5EF4-FFF2-40B4-BE49-F238E27FC236}">
+                      <a16:creationId xmlns:a16="http://schemas.microsoft.com/office/drawing/2014/main" id="{9F4288A7-7093-9282-BB65-09A030BD4E51}"/>
+                    </a:ext>
+                  </a:extLst>
+                </p:cNvPr>
+                <p:cNvSpPr/>
+                <p:nvPr/>
+              </p:nvSpPr>
+              <p:spPr>
+                <a:xfrm>
+                  <a:off x="938784" y="3255264"/>
+                  <a:ext cx="725424" cy="725424"/>
+                </a:xfrm>
+                <a:prstGeom prst="rect">
+                  <a:avLst/>
+                </a:prstGeom>
+                <a:solidFill>
+                  <a:srgbClr val="FF0000"/>
+                </a:solidFill>
+                <a:ln>
+                  <a:solidFill>
+                    <a:schemeClr val="tx1"/>
+                  </a:solidFill>
+                </a:ln>
+              </p:spPr>
+              <p:style>
+                <a:lnRef idx="2">
+                  <a:schemeClr val="accent1">
+                    <a:shade val="15000"/>
+                  </a:schemeClr>
+                </a:lnRef>
+                <a:fillRef idx="1">
+                  <a:schemeClr val="accent1"/>
+                </a:fillRef>
+                <a:effectRef idx="0">
+                  <a:schemeClr val="accent1"/>
+                </a:effectRef>
+                <a:fontRef idx="minor">
+                  <a:schemeClr val="lt1"/>
+                </a:fontRef>
+              </p:style>
+              <p:txBody>
+                <a:bodyPr rtlCol="0" anchor="ctr"/>
+                <a:lstStyle/>
+                <a:p>
+                  <a:pPr algn="ctr"/>
+                  <a:r>
+                    <a:rPr lang="en-US" b="1" dirty="0"/>
+                    <a:t>R</a:t>
+                  </a:r>
+                </a:p>
+              </p:txBody>
+            </p:sp>
+            <p:sp>
+              <p:nvSpPr>
+                <p:cNvPr id="68" name="Rectangle 67">
+                  <a:extLst>
+                    <a:ext uri="{FF2B5EF4-FFF2-40B4-BE49-F238E27FC236}">
+                      <a16:creationId xmlns:a16="http://schemas.microsoft.com/office/drawing/2014/main" id="{0D75C6C7-3546-1AE1-0B38-595BE5B01DC3}"/>
+                    </a:ext>
+                  </a:extLst>
+                </p:cNvPr>
+                <p:cNvSpPr/>
+                <p:nvPr/>
+              </p:nvSpPr>
+              <p:spPr>
+                <a:xfrm>
+                  <a:off x="938784" y="3255264"/>
+                  <a:ext cx="2176272" cy="725067"/>
+                </a:xfrm>
+                <a:prstGeom prst="rect">
+                  <a:avLst/>
+                </a:prstGeom>
+                <a:noFill/>
+                <a:ln w="28575">
+                  <a:solidFill>
+                    <a:schemeClr val="tx1"/>
+                  </a:solidFill>
+                </a:ln>
+              </p:spPr>
+              <p:style>
+                <a:lnRef idx="2">
+                  <a:schemeClr val="accent1">
+                    <a:shade val="15000"/>
+                  </a:schemeClr>
+                </a:lnRef>
+                <a:fillRef idx="1">
+                  <a:schemeClr val="accent1"/>
+                </a:fillRef>
+                <a:effectRef idx="0">
+                  <a:schemeClr val="accent1"/>
+                </a:effectRef>
+                <a:fontRef idx="minor">
+                  <a:schemeClr val="lt1"/>
+                </a:fontRef>
+              </p:style>
+              <p:txBody>
+                <a:bodyPr rtlCol="0" anchor="ctr"/>
+                <a:lstStyle/>
+                <a:p>
+                  <a:pPr algn="ctr"/>
+                  <a:endParaRPr lang="en-US"/>
+                </a:p>
+              </p:txBody>
+            </p:sp>
+          </p:grpSp>
+          <p:grpSp>
+            <p:nvGrpSpPr>
+              <p:cNvPr id="54" name="Group 53">
+                <a:extLst>
+                  <a:ext uri="{FF2B5EF4-FFF2-40B4-BE49-F238E27FC236}">
+                    <a16:creationId xmlns:a16="http://schemas.microsoft.com/office/drawing/2014/main" id="{A49CF517-8E54-C953-5062-C756F0133C08}"/>
+                  </a:ext>
+                </a:extLst>
+              </p:cNvPr>
+              <p:cNvGrpSpPr/>
+              <p:nvPr/>
+            </p:nvGrpSpPr>
+            <p:grpSpPr>
+              <a:xfrm>
+                <a:off x="4422648" y="3436532"/>
+                <a:ext cx="1980692" cy="726322"/>
+                <a:chOff x="938784" y="3254009"/>
+                <a:chExt cx="1980692" cy="726322"/>
+              </a:xfrm>
+            </p:grpSpPr>
+            <p:sp>
+              <p:nvSpPr>
+                <p:cNvPr id="56" name="Rectangle 55">
+                  <a:extLst>
+                    <a:ext uri="{FF2B5EF4-FFF2-40B4-BE49-F238E27FC236}">
+                      <a16:creationId xmlns:a16="http://schemas.microsoft.com/office/drawing/2014/main" id="{CB8C517C-5CCA-67DD-CCE2-A8C32C3D8AC5}"/>
+                    </a:ext>
+                  </a:extLst>
+                </p:cNvPr>
+                <p:cNvSpPr/>
+                <p:nvPr/>
+              </p:nvSpPr>
+              <p:spPr>
+                <a:xfrm rot="16200000">
+                  <a:off x="948309" y="3493182"/>
+                  <a:ext cx="725424" cy="248158"/>
+                </a:xfrm>
+                <a:prstGeom prst="rect">
+                  <a:avLst/>
+                </a:prstGeom>
+                <a:solidFill>
+                  <a:schemeClr val="bg2">
+                    <a:lumMod val="75000"/>
+                  </a:schemeClr>
+                </a:solidFill>
+                <a:ln>
+                  <a:solidFill>
+                    <a:schemeClr val="tx1"/>
+                  </a:solidFill>
+                </a:ln>
+              </p:spPr>
+              <p:style>
+                <a:lnRef idx="2">
+                  <a:schemeClr val="accent1">
+                    <a:shade val="15000"/>
+                  </a:schemeClr>
+                </a:lnRef>
+                <a:fillRef idx="1">
+                  <a:schemeClr val="accent1"/>
+                </a:fillRef>
+                <a:effectRef idx="0">
+                  <a:schemeClr val="accent1"/>
+                </a:effectRef>
+                <a:fontRef idx="minor">
+                  <a:schemeClr val="lt1"/>
+                </a:fontRef>
+              </p:style>
+              <p:txBody>
+                <a:bodyPr rtlCol="0" anchor="ctr"/>
+                <a:lstStyle/>
+                <a:p>
+                  <a:pPr algn="ctr"/>
+                  <a:r>
+                    <a:rPr lang="en-US" sz="1400" dirty="0"/>
+                    <a:t>Month</a:t>
+                  </a:r>
+                </a:p>
+              </p:txBody>
+            </p:sp>
+            <p:sp>
+              <p:nvSpPr>
+                <p:cNvPr id="57" name="Rectangle 56">
+                  <a:extLst>
+                    <a:ext uri="{FF2B5EF4-FFF2-40B4-BE49-F238E27FC236}">
+                      <a16:creationId xmlns:a16="http://schemas.microsoft.com/office/drawing/2014/main" id="{892DF31B-3921-EA8A-4659-D1594C8985CD}"/>
+                    </a:ext>
+                  </a:extLst>
+                </p:cNvPr>
+                <p:cNvSpPr/>
+                <p:nvPr/>
+              </p:nvSpPr>
+              <p:spPr>
+                <a:xfrm rot="16200000">
+                  <a:off x="700151" y="3493540"/>
+                  <a:ext cx="725424" cy="248158"/>
+                </a:xfrm>
+                <a:prstGeom prst="rect">
+                  <a:avLst/>
+                </a:prstGeom>
+                <a:solidFill>
+                  <a:schemeClr val="bg2">
+                    <a:lumMod val="75000"/>
+                  </a:schemeClr>
+                </a:solidFill>
+                <a:ln>
+                  <a:solidFill>
+                    <a:schemeClr val="tx1"/>
+                  </a:solidFill>
+                </a:ln>
+              </p:spPr>
+              <p:style>
+                <a:lnRef idx="2">
+                  <a:schemeClr val="accent1">
+                    <a:shade val="15000"/>
+                  </a:schemeClr>
+                </a:lnRef>
+                <a:fillRef idx="1">
+                  <a:schemeClr val="accent1"/>
+                </a:fillRef>
+                <a:effectRef idx="0">
+                  <a:schemeClr val="accent1"/>
+                </a:effectRef>
+                <a:fontRef idx="minor">
+                  <a:schemeClr val="lt1"/>
+                </a:fontRef>
+              </p:style>
+              <p:txBody>
+                <a:bodyPr rtlCol="0" anchor="ctr"/>
+                <a:lstStyle/>
+                <a:p>
+                  <a:pPr algn="ctr"/>
+                  <a:r>
+                    <a:rPr lang="en-US" sz="1600" dirty="0"/>
+                    <a:t>Year</a:t>
+                  </a:r>
+                </a:p>
+              </p:txBody>
+            </p:sp>
+            <p:sp>
+              <p:nvSpPr>
+                <p:cNvPr id="58" name="Rectangle 57">
+                  <a:extLst>
+                    <a:ext uri="{FF2B5EF4-FFF2-40B4-BE49-F238E27FC236}">
+                      <a16:creationId xmlns:a16="http://schemas.microsoft.com/office/drawing/2014/main" id="{E9FFEB7A-5F71-7973-2654-492B3A3D92AE}"/>
+                    </a:ext>
+                  </a:extLst>
+                </p:cNvPr>
+                <p:cNvSpPr/>
+                <p:nvPr/>
+              </p:nvSpPr>
+              <p:spPr>
+                <a:xfrm rot="16200000">
+                  <a:off x="1196467" y="3493182"/>
+                  <a:ext cx="725424" cy="248158"/>
+                </a:xfrm>
+                <a:prstGeom prst="rect">
+                  <a:avLst/>
+                </a:prstGeom>
+                <a:solidFill>
+                  <a:schemeClr val="bg2">
+                    <a:lumMod val="75000"/>
+                  </a:schemeClr>
+                </a:solidFill>
+                <a:ln>
+                  <a:solidFill>
+                    <a:schemeClr val="tx1"/>
+                  </a:solidFill>
+                </a:ln>
+              </p:spPr>
+              <p:style>
+                <a:lnRef idx="2">
+                  <a:schemeClr val="accent1">
+                    <a:shade val="15000"/>
+                  </a:schemeClr>
+                </a:lnRef>
+                <a:fillRef idx="1">
+                  <a:schemeClr val="accent1"/>
+                </a:fillRef>
+                <a:effectRef idx="0">
+                  <a:schemeClr val="accent1"/>
+                </a:effectRef>
+                <a:fontRef idx="minor">
+                  <a:schemeClr val="lt1"/>
+                </a:fontRef>
+              </p:style>
+              <p:txBody>
+                <a:bodyPr rtlCol="0" anchor="ctr"/>
+                <a:lstStyle/>
+                <a:p>
+                  <a:pPr algn="ctr"/>
+                  <a:r>
+                    <a:rPr lang="en-US" sz="1400" dirty="0"/>
+                    <a:t>Day</a:t>
+                  </a:r>
+                </a:p>
+              </p:txBody>
+            </p:sp>
+            <p:sp>
+              <p:nvSpPr>
+                <p:cNvPr id="59" name="Rectangle 58">
+                  <a:extLst>
+                    <a:ext uri="{FF2B5EF4-FFF2-40B4-BE49-F238E27FC236}">
+                      <a16:creationId xmlns:a16="http://schemas.microsoft.com/office/drawing/2014/main" id="{0474F8D0-3616-D11D-4FEF-221A0F8280D7}"/>
+                    </a:ext>
+                  </a:extLst>
+                </p:cNvPr>
+                <p:cNvSpPr/>
+                <p:nvPr/>
+              </p:nvSpPr>
+              <p:spPr>
+                <a:xfrm rot="16200000">
+                  <a:off x="1444625" y="3493182"/>
+                  <a:ext cx="725424" cy="248158"/>
+                </a:xfrm>
+                <a:prstGeom prst="rect">
+                  <a:avLst/>
+                </a:prstGeom>
+                <a:solidFill>
+                  <a:schemeClr val="bg2">
+                    <a:lumMod val="75000"/>
+                  </a:schemeClr>
+                </a:solidFill>
+                <a:ln>
+                  <a:solidFill>
+                    <a:schemeClr val="tx1"/>
+                  </a:solidFill>
+                </a:ln>
+              </p:spPr>
+              <p:style>
+                <a:lnRef idx="2">
+                  <a:schemeClr val="accent1">
+                    <a:shade val="15000"/>
+                  </a:schemeClr>
+                </a:lnRef>
+                <a:fillRef idx="1">
+                  <a:schemeClr val="accent1"/>
+                </a:fillRef>
+                <a:effectRef idx="0">
+                  <a:schemeClr val="accent1"/>
+                </a:effectRef>
+                <a:fontRef idx="minor">
+                  <a:schemeClr val="lt1"/>
+                </a:fontRef>
+              </p:style>
+              <p:txBody>
+                <a:bodyPr rtlCol="0" anchor="ctr"/>
+                <a:lstStyle/>
+                <a:p>
+                  <a:pPr algn="ctr"/>
+                  <a:r>
+                    <a:rPr lang="en-US" sz="1400" dirty="0"/>
+                    <a:t>Minute</a:t>
+                  </a:r>
+                </a:p>
+              </p:txBody>
+            </p:sp>
+            <p:sp>
+              <p:nvSpPr>
+                <p:cNvPr id="60" name="Rectangle 59">
+                  <a:extLst>
+                    <a:ext uri="{FF2B5EF4-FFF2-40B4-BE49-F238E27FC236}">
+                      <a16:creationId xmlns:a16="http://schemas.microsoft.com/office/drawing/2014/main" id="{856561F4-D090-3F77-5CAF-D88C1B6BE5CC}"/>
+                    </a:ext>
+                  </a:extLst>
+                </p:cNvPr>
+                <p:cNvSpPr/>
+                <p:nvPr/>
+              </p:nvSpPr>
+              <p:spPr>
+                <a:xfrm rot="16200000">
+                  <a:off x="1692783" y="3493182"/>
+                  <a:ext cx="725424" cy="248158"/>
+                </a:xfrm>
+                <a:prstGeom prst="rect">
+                  <a:avLst/>
+                </a:prstGeom>
+                <a:solidFill>
+                  <a:schemeClr val="bg2">
+                    <a:lumMod val="75000"/>
+                  </a:schemeClr>
+                </a:solidFill>
+                <a:ln>
+                  <a:solidFill>
+                    <a:schemeClr val="tx1"/>
+                  </a:solidFill>
+                </a:ln>
+              </p:spPr>
+              <p:style>
+                <a:lnRef idx="2">
+                  <a:schemeClr val="accent1">
+                    <a:shade val="15000"/>
+                  </a:schemeClr>
+                </a:lnRef>
+                <a:fillRef idx="1">
+                  <a:schemeClr val="accent1"/>
+                </a:fillRef>
+                <a:effectRef idx="0">
+                  <a:schemeClr val="accent1"/>
+                </a:effectRef>
+                <a:fontRef idx="minor">
+                  <a:schemeClr val="lt1"/>
+                </a:fontRef>
+              </p:style>
+              <p:txBody>
+                <a:bodyPr rtlCol="0" anchor="ctr"/>
+                <a:lstStyle/>
+                <a:p>
+                  <a:pPr algn="ctr"/>
+                  <a:r>
+                    <a:rPr lang="en-US" sz="1400" dirty="0"/>
+                    <a:t>GHI</a:t>
+                  </a:r>
+                </a:p>
+              </p:txBody>
+            </p:sp>
+            <p:sp>
+              <p:nvSpPr>
+                <p:cNvPr id="61" name="Rectangle 60">
+                  <a:extLst>
+                    <a:ext uri="{FF2B5EF4-FFF2-40B4-BE49-F238E27FC236}">
+                      <a16:creationId xmlns:a16="http://schemas.microsoft.com/office/drawing/2014/main" id="{6F2FB431-E5FC-C922-179E-6602C153C5F0}"/>
+                    </a:ext>
+                  </a:extLst>
+                </p:cNvPr>
+                <p:cNvSpPr/>
+                <p:nvPr/>
+              </p:nvSpPr>
+              <p:spPr>
+                <a:xfrm rot="16200000">
+                  <a:off x="1938909" y="3493003"/>
+                  <a:ext cx="725424" cy="248158"/>
+                </a:xfrm>
+                <a:prstGeom prst="rect">
+                  <a:avLst/>
+                </a:prstGeom>
+                <a:solidFill>
+                  <a:schemeClr val="bg2">
+                    <a:lumMod val="75000"/>
+                  </a:schemeClr>
+                </a:solidFill>
+                <a:ln>
+                  <a:solidFill>
+                    <a:schemeClr val="tx1"/>
+                  </a:solidFill>
+                </a:ln>
+              </p:spPr>
+              <p:style>
+                <a:lnRef idx="2">
+                  <a:schemeClr val="accent1">
+                    <a:shade val="15000"/>
+                  </a:schemeClr>
+                </a:lnRef>
+                <a:fillRef idx="1">
+                  <a:schemeClr val="accent1"/>
+                </a:fillRef>
+                <a:effectRef idx="0">
+                  <a:schemeClr val="accent1"/>
+                </a:effectRef>
+                <a:fontRef idx="minor">
+                  <a:schemeClr val="lt1"/>
+                </a:fontRef>
+              </p:style>
+              <p:txBody>
+                <a:bodyPr rtlCol="0" anchor="ctr"/>
+                <a:lstStyle/>
+                <a:p>
+                  <a:pPr algn="ctr"/>
+                  <a:r>
+                    <a:rPr lang="en-US" sz="1100" dirty="0"/>
+                    <a:t>Air Temp</a:t>
+                  </a:r>
+                </a:p>
+              </p:txBody>
+            </p:sp>
+            <p:sp>
+              <p:nvSpPr>
+                <p:cNvPr id="62" name="Rectangle 61">
+                  <a:extLst>
+                    <a:ext uri="{FF2B5EF4-FFF2-40B4-BE49-F238E27FC236}">
+                      <a16:creationId xmlns:a16="http://schemas.microsoft.com/office/drawing/2014/main" id="{5CC1FB69-4B45-7D96-D47C-F80C7586DCCF}"/>
+                    </a:ext>
+                  </a:extLst>
+                </p:cNvPr>
+                <p:cNvSpPr/>
+                <p:nvPr/>
+              </p:nvSpPr>
+              <p:spPr>
+                <a:xfrm rot="16200000">
+                  <a:off x="2181987" y="3493002"/>
+                  <a:ext cx="725424" cy="248158"/>
+                </a:xfrm>
+                <a:prstGeom prst="rect">
+                  <a:avLst/>
+                </a:prstGeom>
+                <a:solidFill>
+                  <a:schemeClr val="bg2">
+                    <a:lumMod val="75000"/>
+                  </a:schemeClr>
+                </a:solidFill>
+                <a:ln>
+                  <a:solidFill>
+                    <a:schemeClr val="tx1"/>
+                  </a:solidFill>
+                </a:ln>
+              </p:spPr>
+              <p:style>
+                <a:lnRef idx="2">
+                  <a:schemeClr val="accent1">
+                    <a:shade val="15000"/>
+                  </a:schemeClr>
+                </a:lnRef>
+                <a:fillRef idx="1">
+                  <a:schemeClr val="accent1"/>
+                </a:fillRef>
+                <a:effectRef idx="0">
+                  <a:schemeClr val="accent1"/>
+                </a:effectRef>
+                <a:fontRef idx="minor">
+                  <a:schemeClr val="lt1"/>
+                </a:fontRef>
+              </p:style>
+              <p:txBody>
+                <a:bodyPr rtlCol="0" anchor="ctr"/>
+                <a:lstStyle/>
+                <a:p>
+                  <a:pPr algn="ctr"/>
+                  <a:r>
+                    <a:rPr lang="en-US" sz="1100" dirty="0"/>
+                    <a:t>Wind </a:t>
+                  </a:r>
+                  <a:r>
+                    <a:rPr lang="en-US" sz="1100" dirty="0" err="1"/>
+                    <a:t>spd</a:t>
+                  </a:r>
+                  <a:endParaRPr lang="en-US" sz="1100" dirty="0"/>
+                </a:p>
+              </p:txBody>
+            </p:sp>
+            <p:sp>
+              <p:nvSpPr>
+                <p:cNvPr id="63" name="Rectangle 62">
+                  <a:extLst>
+                    <a:ext uri="{FF2B5EF4-FFF2-40B4-BE49-F238E27FC236}">
+                      <a16:creationId xmlns:a16="http://schemas.microsoft.com/office/drawing/2014/main" id="{E2DD2008-E19C-22B3-A7CE-F48E64C57131}"/>
+                    </a:ext>
+                  </a:extLst>
+                </p:cNvPr>
+                <p:cNvSpPr/>
+                <p:nvPr/>
+              </p:nvSpPr>
+              <p:spPr>
+                <a:xfrm rot="16200000">
+                  <a:off x="2428113" y="3493001"/>
+                  <a:ext cx="725424" cy="248158"/>
+                </a:xfrm>
+                <a:prstGeom prst="rect">
+                  <a:avLst/>
+                </a:prstGeom>
+                <a:solidFill>
+                  <a:schemeClr val="bg2">
+                    <a:lumMod val="75000"/>
+                  </a:schemeClr>
+                </a:solidFill>
+                <a:ln>
+                  <a:solidFill>
+                    <a:schemeClr val="tx1"/>
+                  </a:solidFill>
+                </a:ln>
+              </p:spPr>
+              <p:style>
+                <a:lnRef idx="2">
+                  <a:schemeClr val="accent1">
+                    <a:shade val="15000"/>
+                  </a:schemeClr>
+                </a:lnRef>
+                <a:fillRef idx="1">
+                  <a:schemeClr val="accent1"/>
+                </a:fillRef>
+                <a:effectRef idx="0">
+                  <a:schemeClr val="accent1"/>
+                </a:effectRef>
+                <a:fontRef idx="minor">
+                  <a:schemeClr val="lt1"/>
+                </a:fontRef>
+              </p:style>
+              <p:txBody>
+                <a:bodyPr rtlCol="0" anchor="ctr"/>
+                <a:lstStyle/>
+                <a:p>
+                  <a:pPr algn="ctr"/>
+                  <a:r>
+                    <a:rPr lang="en-US" sz="1200" dirty="0"/>
+                    <a:t>Wind </a:t>
+                  </a:r>
+                  <a:r>
+                    <a:rPr lang="en-US" sz="1200" dirty="0" err="1"/>
+                    <a:t>dir</a:t>
+                  </a:r>
+                  <a:endParaRPr lang="en-US" sz="1200" dirty="0"/>
+                </a:p>
+              </p:txBody>
+            </p:sp>
+            <p:sp>
+              <p:nvSpPr>
+                <p:cNvPr id="64" name="Rectangle 63">
+                  <a:extLst>
+                    <a:ext uri="{FF2B5EF4-FFF2-40B4-BE49-F238E27FC236}">
+                      <a16:creationId xmlns:a16="http://schemas.microsoft.com/office/drawing/2014/main" id="{241E0D13-3EE6-7B5D-D34E-6C899D9C4EA5}"/>
+                    </a:ext>
+                  </a:extLst>
+                </p:cNvPr>
+                <p:cNvSpPr/>
+                <p:nvPr/>
+              </p:nvSpPr>
+              <p:spPr>
+                <a:xfrm>
+                  <a:off x="943356" y="3254009"/>
+                  <a:ext cx="1976120" cy="725067"/>
+                </a:xfrm>
+                <a:prstGeom prst="rect">
+                  <a:avLst/>
+                </a:prstGeom>
+                <a:noFill/>
+                <a:ln w="28575">
+                  <a:solidFill>
+                    <a:schemeClr val="tx1"/>
+                  </a:solidFill>
+                </a:ln>
+              </p:spPr>
+              <p:style>
+                <a:lnRef idx="2">
+                  <a:schemeClr val="accent1">
+                    <a:shade val="15000"/>
+                  </a:schemeClr>
+                </a:lnRef>
+                <a:fillRef idx="1">
+                  <a:schemeClr val="accent1"/>
+                </a:fillRef>
+                <a:effectRef idx="0">
+                  <a:schemeClr val="accent1"/>
+                </a:effectRef>
+                <a:fontRef idx="minor">
+                  <a:schemeClr val="lt1"/>
+                </a:fontRef>
+              </p:style>
+              <p:txBody>
+                <a:bodyPr rtlCol="0" anchor="ctr"/>
+                <a:lstStyle/>
+                <a:p>
+                  <a:pPr algn="ctr"/>
+                  <a:endParaRPr lang="en-US" dirty="0"/>
+                </a:p>
+              </p:txBody>
+            </p:sp>
+          </p:grpSp>
+          <p:sp>
+            <p:nvSpPr>
+              <p:cNvPr id="55" name="Rectangle 54">
+                <a:extLst>
+                  <a:ext uri="{FF2B5EF4-FFF2-40B4-BE49-F238E27FC236}">
+                    <a16:creationId xmlns:a16="http://schemas.microsoft.com/office/drawing/2014/main" id="{31F19CFD-A288-9A34-D763-63DC2C8826C6}"/>
+                  </a:ext>
+                </a:extLst>
+              </p:cNvPr>
+              <p:cNvSpPr/>
+              <p:nvPr/>
+            </p:nvSpPr>
+            <p:spPr>
+              <a:xfrm rot="16200000">
+                <a:off x="6162345" y="3674986"/>
+                <a:ext cx="725068" cy="248158"/>
+              </a:xfrm>
+              <a:prstGeom prst="rect">
+                <a:avLst/>
+              </a:prstGeom>
+              <a:solidFill>
+                <a:schemeClr val="accent2">
+                  <a:lumMod val="75000"/>
+                </a:schemeClr>
+              </a:solidFill>
+              <a:ln w="28575">
+                <a:solidFill>
+                  <a:schemeClr val="tx1"/>
+                </a:solidFill>
+              </a:ln>
+            </p:spPr>
+            <p:style>
+              <a:lnRef idx="2">
+                <a:schemeClr val="accent1">
+                  <a:shade val="15000"/>
+                </a:schemeClr>
+              </a:lnRef>
+              <a:fillRef idx="1">
+                <a:schemeClr val="accent1"/>
+              </a:fillRef>
+              <a:effectRef idx="0">
+                <a:schemeClr val="accent1"/>
+              </a:effectRef>
+              <a:fontRef idx="minor">
+                <a:schemeClr val="lt1"/>
+              </a:fontRef>
+            </p:style>
+            <p:txBody>
+              <a:bodyPr rtlCol="0" anchor="ctr"/>
+              <a:lstStyle/>
+              <a:p>
+                <a:pPr algn="ctr"/>
+                <a:r>
+                  <a:rPr lang="en-US" sz="1600" dirty="0"/>
+                  <a:t>Label</a:t>
+                </a:r>
+              </a:p>
+            </p:txBody>
+          </p:sp>
+        </p:grpSp>
+        <p:grpSp>
+          <p:nvGrpSpPr>
+            <p:cNvPr id="73" name="Group 72">
+              <a:extLst>
+                <a:ext uri="{FF2B5EF4-FFF2-40B4-BE49-F238E27FC236}">
+                  <a16:creationId xmlns:a16="http://schemas.microsoft.com/office/drawing/2014/main" id="{2E0E640E-105B-01B2-2DD0-62FE0F5A2829}"/>
+                </a:ext>
+              </a:extLst>
+            </p:cNvPr>
+            <p:cNvGrpSpPr/>
+            <p:nvPr/>
+          </p:nvGrpSpPr>
+          <p:grpSpPr>
+            <a:xfrm>
+              <a:off x="55112" y="4775440"/>
+              <a:ext cx="6578854" cy="727037"/>
+              <a:chOff x="70104" y="3436531"/>
+              <a:chExt cx="6578854" cy="727037"/>
+            </a:xfrm>
+          </p:grpSpPr>
+          <p:grpSp>
+            <p:nvGrpSpPr>
+              <p:cNvPr id="74" name="Group 73">
+                <a:extLst>
+                  <a:ext uri="{FF2B5EF4-FFF2-40B4-BE49-F238E27FC236}">
+                    <a16:creationId xmlns:a16="http://schemas.microsoft.com/office/drawing/2014/main" id="{6DF0639B-E120-D124-498E-A444EAC19936}"/>
+                  </a:ext>
+                </a:extLst>
+              </p:cNvPr>
+              <p:cNvGrpSpPr/>
+              <p:nvPr/>
+            </p:nvGrpSpPr>
+            <p:grpSpPr>
+              <a:xfrm>
+                <a:off x="70104" y="3438144"/>
+                <a:ext cx="2176272" cy="725424"/>
+                <a:chOff x="938784" y="3255264"/>
+                <a:chExt cx="2176272" cy="725424"/>
+              </a:xfrm>
+            </p:grpSpPr>
+            <p:sp>
+              <p:nvSpPr>
+                <p:cNvPr id="91" name="Rectangle 90">
+                  <a:extLst>
+                    <a:ext uri="{FF2B5EF4-FFF2-40B4-BE49-F238E27FC236}">
+                      <a16:creationId xmlns:a16="http://schemas.microsoft.com/office/drawing/2014/main" id="{8173A3A6-8D04-EB65-3B36-DE522BA204EE}"/>
+                    </a:ext>
+                  </a:extLst>
+                </p:cNvPr>
+                <p:cNvSpPr/>
+                <p:nvPr/>
+              </p:nvSpPr>
+              <p:spPr>
+                <a:xfrm>
+                  <a:off x="2389632" y="3255264"/>
+                  <a:ext cx="725424" cy="725424"/>
+                </a:xfrm>
+                <a:prstGeom prst="rect">
+                  <a:avLst/>
+                </a:prstGeom>
+                <a:solidFill>
+                  <a:srgbClr val="0000FF"/>
+                </a:solidFill>
+                <a:ln>
+                  <a:solidFill>
+                    <a:schemeClr val="tx1"/>
+                  </a:solidFill>
+                </a:ln>
+              </p:spPr>
+              <p:style>
+                <a:lnRef idx="2">
+                  <a:schemeClr val="accent1">
+                    <a:shade val="15000"/>
+                  </a:schemeClr>
+                </a:lnRef>
+                <a:fillRef idx="1">
+                  <a:schemeClr val="accent1"/>
+                </a:fillRef>
+                <a:effectRef idx="0">
+                  <a:schemeClr val="accent1"/>
+                </a:effectRef>
+                <a:fontRef idx="minor">
+                  <a:schemeClr val="lt1"/>
+                </a:fontRef>
+              </p:style>
+              <p:txBody>
+                <a:bodyPr rtlCol="0" anchor="ctr"/>
+                <a:lstStyle/>
+                <a:p>
+                  <a:pPr algn="ctr"/>
+                  <a:r>
+                    <a:rPr lang="en-US" b="1" dirty="0"/>
+                    <a:t>B</a:t>
+                  </a:r>
+                </a:p>
+              </p:txBody>
+            </p:sp>
+            <p:sp>
+              <p:nvSpPr>
+                <p:cNvPr id="92" name="Rectangle 91">
+                  <a:extLst>
+                    <a:ext uri="{FF2B5EF4-FFF2-40B4-BE49-F238E27FC236}">
+                      <a16:creationId xmlns:a16="http://schemas.microsoft.com/office/drawing/2014/main" id="{34E4A331-B365-957F-10F0-BC638B39BB70}"/>
+                    </a:ext>
+                  </a:extLst>
+                </p:cNvPr>
+                <p:cNvSpPr/>
+                <p:nvPr/>
+              </p:nvSpPr>
+              <p:spPr>
+                <a:xfrm>
+                  <a:off x="1664208" y="3255264"/>
+                  <a:ext cx="725424" cy="725424"/>
+                </a:xfrm>
+                <a:prstGeom prst="rect">
+                  <a:avLst/>
+                </a:prstGeom>
+                <a:solidFill>
+                  <a:srgbClr val="00FF00"/>
+                </a:solidFill>
+                <a:ln>
+                  <a:solidFill>
+                    <a:schemeClr val="tx1"/>
+                  </a:solidFill>
+                </a:ln>
+              </p:spPr>
+              <p:style>
+                <a:lnRef idx="2">
+                  <a:schemeClr val="accent1">
+                    <a:shade val="15000"/>
+                  </a:schemeClr>
+                </a:lnRef>
+                <a:fillRef idx="1">
+                  <a:schemeClr val="accent1"/>
+                </a:fillRef>
+                <a:effectRef idx="0">
+                  <a:schemeClr val="accent1"/>
+                </a:effectRef>
+                <a:fontRef idx="minor">
+                  <a:schemeClr val="lt1"/>
+                </a:fontRef>
+              </p:style>
+              <p:txBody>
+                <a:bodyPr rtlCol="0" anchor="ctr"/>
+                <a:lstStyle/>
+                <a:p>
+                  <a:pPr algn="ctr"/>
+                  <a:r>
+                    <a:rPr lang="en-US" b="1" dirty="0"/>
+                    <a:t>G</a:t>
+                  </a:r>
+                </a:p>
+              </p:txBody>
+            </p:sp>
+            <p:sp>
+              <p:nvSpPr>
+                <p:cNvPr id="93" name="Rectangle 92">
+                  <a:extLst>
+                    <a:ext uri="{FF2B5EF4-FFF2-40B4-BE49-F238E27FC236}">
+                      <a16:creationId xmlns:a16="http://schemas.microsoft.com/office/drawing/2014/main" id="{BB48D015-A5D3-B358-2F20-F932D7D97D66}"/>
+                    </a:ext>
+                  </a:extLst>
+                </p:cNvPr>
+                <p:cNvSpPr/>
+                <p:nvPr/>
+              </p:nvSpPr>
+              <p:spPr>
+                <a:xfrm>
+                  <a:off x="938784" y="3255264"/>
+                  <a:ext cx="725424" cy="725424"/>
+                </a:xfrm>
+                <a:prstGeom prst="rect">
+                  <a:avLst/>
+                </a:prstGeom>
+                <a:solidFill>
+                  <a:srgbClr val="FF0000"/>
+                </a:solidFill>
+                <a:ln>
+                  <a:solidFill>
+                    <a:schemeClr val="tx1"/>
+                  </a:solidFill>
+                </a:ln>
+              </p:spPr>
+              <p:style>
+                <a:lnRef idx="2">
+                  <a:schemeClr val="accent1">
+                    <a:shade val="15000"/>
+                  </a:schemeClr>
+                </a:lnRef>
+                <a:fillRef idx="1">
+                  <a:schemeClr val="accent1"/>
+                </a:fillRef>
+                <a:effectRef idx="0">
+                  <a:schemeClr val="accent1"/>
+                </a:effectRef>
+                <a:fontRef idx="minor">
+                  <a:schemeClr val="lt1"/>
+                </a:fontRef>
+              </p:style>
+              <p:txBody>
+                <a:bodyPr rtlCol="0" anchor="ctr"/>
+                <a:lstStyle/>
+                <a:p>
+                  <a:pPr algn="ctr"/>
+                  <a:r>
+                    <a:rPr lang="en-US" b="1" dirty="0"/>
+                    <a:t>R</a:t>
+                  </a:r>
+                </a:p>
+              </p:txBody>
+            </p:sp>
+            <p:sp>
+              <p:nvSpPr>
+                <p:cNvPr id="94" name="Rectangle 93">
+                  <a:extLst>
+                    <a:ext uri="{FF2B5EF4-FFF2-40B4-BE49-F238E27FC236}">
+                      <a16:creationId xmlns:a16="http://schemas.microsoft.com/office/drawing/2014/main" id="{D213064A-BB08-677D-9A45-6B13EA6C2C03}"/>
+                    </a:ext>
+                  </a:extLst>
+                </p:cNvPr>
+                <p:cNvSpPr/>
+                <p:nvPr/>
+              </p:nvSpPr>
+              <p:spPr>
+                <a:xfrm>
+                  <a:off x="938784" y="3255264"/>
+                  <a:ext cx="2176272" cy="725067"/>
+                </a:xfrm>
+                <a:prstGeom prst="rect">
+                  <a:avLst/>
+                </a:prstGeom>
+                <a:noFill/>
+                <a:ln w="28575">
+                  <a:solidFill>
+                    <a:schemeClr val="tx1"/>
+                  </a:solidFill>
+                </a:ln>
+              </p:spPr>
+              <p:style>
+                <a:lnRef idx="2">
+                  <a:schemeClr val="accent1">
+                    <a:shade val="15000"/>
+                  </a:schemeClr>
+                </a:lnRef>
+                <a:fillRef idx="1">
+                  <a:schemeClr val="accent1"/>
+                </a:fillRef>
+                <a:effectRef idx="0">
+                  <a:schemeClr val="accent1"/>
+                </a:effectRef>
+                <a:fontRef idx="minor">
+                  <a:schemeClr val="lt1"/>
+                </a:fontRef>
+              </p:style>
+              <p:txBody>
+                <a:bodyPr rtlCol="0" anchor="ctr"/>
+                <a:lstStyle/>
+                <a:p>
+                  <a:pPr algn="ctr"/>
+                  <a:endParaRPr lang="en-US" dirty="0"/>
+                </a:p>
+              </p:txBody>
+            </p:sp>
+          </p:grpSp>
+          <p:grpSp>
+            <p:nvGrpSpPr>
+              <p:cNvPr id="75" name="Group 74">
+                <a:extLst>
+                  <a:ext uri="{FF2B5EF4-FFF2-40B4-BE49-F238E27FC236}">
+                    <a16:creationId xmlns:a16="http://schemas.microsoft.com/office/drawing/2014/main" id="{8F08BBDF-5FC5-B169-BD22-1C745A321BA8}"/>
+                  </a:ext>
+                </a:extLst>
+              </p:cNvPr>
+              <p:cNvGrpSpPr/>
+              <p:nvPr/>
+            </p:nvGrpSpPr>
+            <p:grpSpPr>
+              <a:xfrm>
+                <a:off x="2246376" y="3437787"/>
+                <a:ext cx="2176272" cy="725424"/>
+                <a:chOff x="938784" y="3255264"/>
+                <a:chExt cx="2176272" cy="725424"/>
+              </a:xfrm>
+            </p:grpSpPr>
+            <p:sp>
+              <p:nvSpPr>
+                <p:cNvPr id="87" name="Rectangle 86">
+                  <a:extLst>
+                    <a:ext uri="{FF2B5EF4-FFF2-40B4-BE49-F238E27FC236}">
+                      <a16:creationId xmlns:a16="http://schemas.microsoft.com/office/drawing/2014/main" id="{8EE37E72-5B11-694D-2F71-54A8DC5D2AB9}"/>
+                    </a:ext>
+                  </a:extLst>
+                </p:cNvPr>
+                <p:cNvSpPr/>
+                <p:nvPr/>
+              </p:nvSpPr>
+              <p:spPr>
+                <a:xfrm>
+                  <a:off x="2389632" y="3255264"/>
+                  <a:ext cx="725424" cy="725424"/>
+                </a:xfrm>
+                <a:prstGeom prst="rect">
+                  <a:avLst/>
+                </a:prstGeom>
+                <a:solidFill>
+                  <a:srgbClr val="0000FF"/>
+                </a:solidFill>
+                <a:ln>
+                  <a:solidFill>
+                    <a:schemeClr val="tx1"/>
+                  </a:solidFill>
+                </a:ln>
+              </p:spPr>
+              <p:style>
+                <a:lnRef idx="2">
+                  <a:schemeClr val="accent1">
+                    <a:shade val="15000"/>
+                  </a:schemeClr>
+                </a:lnRef>
+                <a:fillRef idx="1">
+                  <a:schemeClr val="accent1"/>
+                </a:fillRef>
+                <a:effectRef idx="0">
+                  <a:schemeClr val="accent1"/>
+                </a:effectRef>
+                <a:fontRef idx="minor">
+                  <a:schemeClr val="lt1"/>
+                </a:fontRef>
+              </p:style>
+              <p:txBody>
+                <a:bodyPr rtlCol="0" anchor="ctr"/>
+                <a:lstStyle/>
+                <a:p>
+                  <a:pPr algn="ctr"/>
+                  <a:r>
+                    <a:rPr lang="en-US" b="1" dirty="0"/>
+                    <a:t>B</a:t>
+                  </a:r>
+                </a:p>
+              </p:txBody>
+            </p:sp>
+            <p:sp>
+              <p:nvSpPr>
+                <p:cNvPr id="88" name="Rectangle 87">
+                  <a:extLst>
+                    <a:ext uri="{FF2B5EF4-FFF2-40B4-BE49-F238E27FC236}">
+                      <a16:creationId xmlns:a16="http://schemas.microsoft.com/office/drawing/2014/main" id="{3776C486-BC92-D8F3-7E97-612BC91BD518}"/>
+                    </a:ext>
+                  </a:extLst>
+                </p:cNvPr>
+                <p:cNvSpPr/>
+                <p:nvPr/>
+              </p:nvSpPr>
+              <p:spPr>
+                <a:xfrm>
+                  <a:off x="1664208" y="3255264"/>
+                  <a:ext cx="725424" cy="725424"/>
+                </a:xfrm>
+                <a:prstGeom prst="rect">
+                  <a:avLst/>
+                </a:prstGeom>
+                <a:solidFill>
+                  <a:srgbClr val="00FF00"/>
+                </a:solidFill>
+                <a:ln>
+                  <a:solidFill>
+                    <a:schemeClr val="tx1"/>
+                  </a:solidFill>
+                </a:ln>
+              </p:spPr>
+              <p:style>
+                <a:lnRef idx="2">
+                  <a:schemeClr val="accent1">
+                    <a:shade val="15000"/>
+                  </a:schemeClr>
+                </a:lnRef>
+                <a:fillRef idx="1">
+                  <a:schemeClr val="accent1"/>
+                </a:fillRef>
+                <a:effectRef idx="0">
+                  <a:schemeClr val="accent1"/>
+                </a:effectRef>
+                <a:fontRef idx="minor">
+                  <a:schemeClr val="lt1"/>
+                </a:fontRef>
+              </p:style>
+              <p:txBody>
+                <a:bodyPr rtlCol="0" anchor="ctr"/>
+                <a:lstStyle/>
+                <a:p>
+                  <a:pPr algn="ctr"/>
+                  <a:r>
+                    <a:rPr lang="en-US" b="1" dirty="0"/>
+                    <a:t>G</a:t>
+                  </a:r>
+                </a:p>
+              </p:txBody>
+            </p:sp>
+            <p:sp>
+              <p:nvSpPr>
+                <p:cNvPr id="89" name="Rectangle 88">
+                  <a:extLst>
+                    <a:ext uri="{FF2B5EF4-FFF2-40B4-BE49-F238E27FC236}">
+                      <a16:creationId xmlns:a16="http://schemas.microsoft.com/office/drawing/2014/main" id="{82961CAE-7F2B-8F01-F964-1D64CAB65419}"/>
+                    </a:ext>
+                  </a:extLst>
+                </p:cNvPr>
+                <p:cNvSpPr/>
+                <p:nvPr/>
+              </p:nvSpPr>
+              <p:spPr>
+                <a:xfrm>
+                  <a:off x="938784" y="3255264"/>
+                  <a:ext cx="725424" cy="725424"/>
+                </a:xfrm>
+                <a:prstGeom prst="rect">
+                  <a:avLst/>
+                </a:prstGeom>
+                <a:solidFill>
+                  <a:srgbClr val="FF0000"/>
+                </a:solidFill>
+                <a:ln>
+                  <a:solidFill>
+                    <a:schemeClr val="tx1"/>
+                  </a:solidFill>
+                </a:ln>
+              </p:spPr>
+              <p:style>
+                <a:lnRef idx="2">
+                  <a:schemeClr val="accent1">
+                    <a:shade val="15000"/>
+                  </a:schemeClr>
+                </a:lnRef>
+                <a:fillRef idx="1">
+                  <a:schemeClr val="accent1"/>
+                </a:fillRef>
+                <a:effectRef idx="0">
+                  <a:schemeClr val="accent1"/>
+                </a:effectRef>
+                <a:fontRef idx="minor">
+                  <a:schemeClr val="lt1"/>
+                </a:fontRef>
+              </p:style>
+              <p:txBody>
+                <a:bodyPr rtlCol="0" anchor="ctr"/>
+                <a:lstStyle/>
+                <a:p>
+                  <a:pPr algn="ctr"/>
+                  <a:r>
+                    <a:rPr lang="en-US" b="1" dirty="0"/>
+                    <a:t>R</a:t>
+                  </a:r>
+                </a:p>
+              </p:txBody>
+            </p:sp>
+            <p:sp>
+              <p:nvSpPr>
+                <p:cNvPr id="90" name="Rectangle 89">
+                  <a:extLst>
+                    <a:ext uri="{FF2B5EF4-FFF2-40B4-BE49-F238E27FC236}">
+                      <a16:creationId xmlns:a16="http://schemas.microsoft.com/office/drawing/2014/main" id="{E669D6F6-ED53-6D31-3E11-118CB7B195E5}"/>
+                    </a:ext>
+                  </a:extLst>
+                </p:cNvPr>
+                <p:cNvSpPr/>
+                <p:nvPr/>
+              </p:nvSpPr>
+              <p:spPr>
+                <a:xfrm>
+                  <a:off x="938784" y="3255264"/>
+                  <a:ext cx="2176272" cy="725067"/>
+                </a:xfrm>
+                <a:prstGeom prst="rect">
+                  <a:avLst/>
+                </a:prstGeom>
+                <a:noFill/>
+                <a:ln w="28575">
+                  <a:solidFill>
+                    <a:schemeClr val="tx1"/>
+                  </a:solidFill>
+                </a:ln>
+              </p:spPr>
+              <p:style>
+                <a:lnRef idx="2">
+                  <a:schemeClr val="accent1">
+                    <a:shade val="15000"/>
+                  </a:schemeClr>
+                </a:lnRef>
+                <a:fillRef idx="1">
+                  <a:schemeClr val="accent1"/>
+                </a:fillRef>
+                <a:effectRef idx="0">
+                  <a:schemeClr val="accent1"/>
+                </a:effectRef>
+                <a:fontRef idx="minor">
+                  <a:schemeClr val="lt1"/>
+                </a:fontRef>
+              </p:style>
+              <p:txBody>
+                <a:bodyPr rtlCol="0" anchor="ctr"/>
+                <a:lstStyle/>
+                <a:p>
+                  <a:pPr algn="ctr"/>
+                  <a:endParaRPr lang="en-US"/>
+                </a:p>
+              </p:txBody>
+            </p:sp>
+          </p:grpSp>
+          <p:grpSp>
+            <p:nvGrpSpPr>
+              <p:cNvPr id="76" name="Group 75">
+                <a:extLst>
+                  <a:ext uri="{FF2B5EF4-FFF2-40B4-BE49-F238E27FC236}">
+                    <a16:creationId xmlns:a16="http://schemas.microsoft.com/office/drawing/2014/main" id="{57055E5A-D2F1-6728-506A-34F2D4F5449D}"/>
+                  </a:ext>
+                </a:extLst>
+              </p:cNvPr>
+              <p:cNvGrpSpPr/>
+              <p:nvPr/>
+            </p:nvGrpSpPr>
+            <p:grpSpPr>
+              <a:xfrm>
+                <a:off x="4422648" y="3436532"/>
+                <a:ext cx="1980692" cy="726322"/>
+                <a:chOff x="938784" y="3254009"/>
+                <a:chExt cx="1980692" cy="726322"/>
+              </a:xfrm>
+            </p:grpSpPr>
+            <p:sp>
+              <p:nvSpPr>
+                <p:cNvPr id="78" name="Rectangle 77">
+                  <a:extLst>
+                    <a:ext uri="{FF2B5EF4-FFF2-40B4-BE49-F238E27FC236}">
+                      <a16:creationId xmlns:a16="http://schemas.microsoft.com/office/drawing/2014/main" id="{EC7ADF9F-6DCC-C7A3-AFA0-192440CF0097}"/>
+                    </a:ext>
+                  </a:extLst>
+                </p:cNvPr>
+                <p:cNvSpPr/>
+                <p:nvPr/>
+              </p:nvSpPr>
+              <p:spPr>
+                <a:xfrm rot="16200000">
+                  <a:off x="948309" y="3493182"/>
+                  <a:ext cx="725424" cy="248158"/>
+                </a:xfrm>
+                <a:prstGeom prst="rect">
+                  <a:avLst/>
+                </a:prstGeom>
+                <a:solidFill>
+                  <a:schemeClr val="bg2">
+                    <a:lumMod val="75000"/>
+                  </a:schemeClr>
+                </a:solidFill>
+                <a:ln>
+                  <a:solidFill>
+                    <a:schemeClr val="tx1"/>
+                  </a:solidFill>
+                </a:ln>
+              </p:spPr>
+              <p:style>
+                <a:lnRef idx="2">
+                  <a:schemeClr val="accent1">
+                    <a:shade val="15000"/>
+                  </a:schemeClr>
+                </a:lnRef>
+                <a:fillRef idx="1">
+                  <a:schemeClr val="accent1"/>
+                </a:fillRef>
+                <a:effectRef idx="0">
+                  <a:schemeClr val="accent1"/>
+                </a:effectRef>
+                <a:fontRef idx="minor">
+                  <a:schemeClr val="lt1"/>
+                </a:fontRef>
+              </p:style>
+              <p:txBody>
+                <a:bodyPr rtlCol="0" anchor="ctr"/>
+                <a:lstStyle/>
+                <a:p>
+                  <a:pPr algn="ctr"/>
+                  <a:r>
+                    <a:rPr lang="en-US" sz="1400" dirty="0"/>
+                    <a:t>Month</a:t>
+                  </a:r>
+                </a:p>
+              </p:txBody>
+            </p:sp>
+            <p:sp>
+              <p:nvSpPr>
+                <p:cNvPr id="79" name="Rectangle 78">
+                  <a:extLst>
+                    <a:ext uri="{FF2B5EF4-FFF2-40B4-BE49-F238E27FC236}">
+                      <a16:creationId xmlns:a16="http://schemas.microsoft.com/office/drawing/2014/main" id="{AA0DF6B2-3224-B4A3-1D07-422B9C11D1A9}"/>
+                    </a:ext>
+                  </a:extLst>
+                </p:cNvPr>
+                <p:cNvSpPr/>
+                <p:nvPr/>
+              </p:nvSpPr>
+              <p:spPr>
+                <a:xfrm rot="16200000">
+                  <a:off x="700151" y="3493540"/>
+                  <a:ext cx="725424" cy="248158"/>
+                </a:xfrm>
+                <a:prstGeom prst="rect">
+                  <a:avLst/>
+                </a:prstGeom>
+                <a:solidFill>
+                  <a:schemeClr val="bg2">
+                    <a:lumMod val="75000"/>
+                  </a:schemeClr>
+                </a:solidFill>
+                <a:ln>
+                  <a:solidFill>
+                    <a:schemeClr val="tx1"/>
+                  </a:solidFill>
+                </a:ln>
+              </p:spPr>
+              <p:style>
+                <a:lnRef idx="2">
+                  <a:schemeClr val="accent1">
+                    <a:shade val="15000"/>
+                  </a:schemeClr>
+                </a:lnRef>
+                <a:fillRef idx="1">
+                  <a:schemeClr val="accent1"/>
+                </a:fillRef>
+                <a:effectRef idx="0">
+                  <a:schemeClr val="accent1"/>
+                </a:effectRef>
+                <a:fontRef idx="minor">
+                  <a:schemeClr val="lt1"/>
+                </a:fontRef>
+              </p:style>
+              <p:txBody>
+                <a:bodyPr rtlCol="0" anchor="ctr"/>
+                <a:lstStyle/>
+                <a:p>
+                  <a:pPr algn="ctr"/>
+                  <a:r>
+                    <a:rPr lang="en-US" sz="1600" dirty="0"/>
+                    <a:t>Year</a:t>
+                  </a:r>
+                </a:p>
+              </p:txBody>
+            </p:sp>
+            <p:sp>
+              <p:nvSpPr>
+                <p:cNvPr id="80" name="Rectangle 79">
+                  <a:extLst>
+                    <a:ext uri="{FF2B5EF4-FFF2-40B4-BE49-F238E27FC236}">
+                      <a16:creationId xmlns:a16="http://schemas.microsoft.com/office/drawing/2014/main" id="{C677A2B4-E8A0-B4B2-A4F7-9911255D08ED}"/>
+                    </a:ext>
+                  </a:extLst>
+                </p:cNvPr>
+                <p:cNvSpPr/>
+                <p:nvPr/>
+              </p:nvSpPr>
+              <p:spPr>
+                <a:xfrm rot="16200000">
+                  <a:off x="1196467" y="3493182"/>
+                  <a:ext cx="725424" cy="248158"/>
+                </a:xfrm>
+                <a:prstGeom prst="rect">
+                  <a:avLst/>
+                </a:prstGeom>
+                <a:solidFill>
+                  <a:schemeClr val="bg2">
+                    <a:lumMod val="75000"/>
+                  </a:schemeClr>
+                </a:solidFill>
+                <a:ln>
+                  <a:solidFill>
+                    <a:schemeClr val="tx1"/>
+                  </a:solidFill>
+                </a:ln>
+              </p:spPr>
+              <p:style>
+                <a:lnRef idx="2">
+                  <a:schemeClr val="accent1">
+                    <a:shade val="15000"/>
+                  </a:schemeClr>
+                </a:lnRef>
+                <a:fillRef idx="1">
+                  <a:schemeClr val="accent1"/>
+                </a:fillRef>
+                <a:effectRef idx="0">
+                  <a:schemeClr val="accent1"/>
+                </a:effectRef>
+                <a:fontRef idx="minor">
+                  <a:schemeClr val="lt1"/>
+                </a:fontRef>
+              </p:style>
+              <p:txBody>
+                <a:bodyPr rtlCol="0" anchor="ctr"/>
+                <a:lstStyle/>
+                <a:p>
+                  <a:pPr algn="ctr"/>
+                  <a:r>
+                    <a:rPr lang="en-US" sz="1400" dirty="0"/>
+                    <a:t>Day</a:t>
+                  </a:r>
+                </a:p>
+              </p:txBody>
+            </p:sp>
+            <p:sp>
+              <p:nvSpPr>
+                <p:cNvPr id="81" name="Rectangle 80">
+                  <a:extLst>
+                    <a:ext uri="{FF2B5EF4-FFF2-40B4-BE49-F238E27FC236}">
+                      <a16:creationId xmlns:a16="http://schemas.microsoft.com/office/drawing/2014/main" id="{F91CA416-46FD-DAE2-F85C-15DCC9C46B2A}"/>
+                    </a:ext>
+                  </a:extLst>
+                </p:cNvPr>
+                <p:cNvSpPr/>
+                <p:nvPr/>
+              </p:nvSpPr>
+              <p:spPr>
+                <a:xfrm rot="16200000">
+                  <a:off x="1444625" y="3493182"/>
+                  <a:ext cx="725424" cy="248158"/>
+                </a:xfrm>
+                <a:prstGeom prst="rect">
+                  <a:avLst/>
+                </a:prstGeom>
+                <a:solidFill>
+                  <a:schemeClr val="bg2">
+                    <a:lumMod val="75000"/>
+                  </a:schemeClr>
+                </a:solidFill>
+                <a:ln>
+                  <a:solidFill>
+                    <a:schemeClr val="tx1"/>
+                  </a:solidFill>
+                </a:ln>
+              </p:spPr>
+              <p:style>
+                <a:lnRef idx="2">
+                  <a:schemeClr val="accent1">
+                    <a:shade val="15000"/>
+                  </a:schemeClr>
+                </a:lnRef>
+                <a:fillRef idx="1">
+                  <a:schemeClr val="accent1"/>
+                </a:fillRef>
+                <a:effectRef idx="0">
+                  <a:schemeClr val="accent1"/>
+                </a:effectRef>
+                <a:fontRef idx="minor">
+                  <a:schemeClr val="lt1"/>
+                </a:fontRef>
+              </p:style>
+              <p:txBody>
+                <a:bodyPr rtlCol="0" anchor="ctr"/>
+                <a:lstStyle/>
+                <a:p>
+                  <a:pPr algn="ctr"/>
+                  <a:r>
+                    <a:rPr lang="en-US" sz="1400" dirty="0"/>
+                    <a:t>Minute</a:t>
+                  </a:r>
+                </a:p>
+              </p:txBody>
+            </p:sp>
+            <p:sp>
+              <p:nvSpPr>
+                <p:cNvPr id="82" name="Rectangle 81">
+                  <a:extLst>
+                    <a:ext uri="{FF2B5EF4-FFF2-40B4-BE49-F238E27FC236}">
+                      <a16:creationId xmlns:a16="http://schemas.microsoft.com/office/drawing/2014/main" id="{1EAF81C7-46CE-00C7-D13E-8FC567B857AE}"/>
+                    </a:ext>
+                  </a:extLst>
+                </p:cNvPr>
+                <p:cNvSpPr/>
+                <p:nvPr/>
+              </p:nvSpPr>
+              <p:spPr>
+                <a:xfrm rot="16200000">
+                  <a:off x="1692783" y="3493182"/>
+                  <a:ext cx="725424" cy="248158"/>
+                </a:xfrm>
+                <a:prstGeom prst="rect">
+                  <a:avLst/>
+                </a:prstGeom>
+                <a:solidFill>
+                  <a:schemeClr val="bg2">
+                    <a:lumMod val="75000"/>
+                  </a:schemeClr>
+                </a:solidFill>
+                <a:ln>
+                  <a:solidFill>
+                    <a:schemeClr val="tx1"/>
+                  </a:solidFill>
+                </a:ln>
+              </p:spPr>
+              <p:style>
+                <a:lnRef idx="2">
+                  <a:schemeClr val="accent1">
+                    <a:shade val="15000"/>
+                  </a:schemeClr>
+                </a:lnRef>
+                <a:fillRef idx="1">
+                  <a:schemeClr val="accent1"/>
+                </a:fillRef>
+                <a:effectRef idx="0">
+                  <a:schemeClr val="accent1"/>
+                </a:effectRef>
+                <a:fontRef idx="minor">
+                  <a:schemeClr val="lt1"/>
+                </a:fontRef>
+              </p:style>
+              <p:txBody>
+                <a:bodyPr rtlCol="0" anchor="ctr"/>
+                <a:lstStyle/>
+                <a:p>
+                  <a:pPr algn="ctr"/>
+                  <a:r>
+                    <a:rPr lang="en-US" sz="1400" dirty="0"/>
+                    <a:t>GHI</a:t>
+                  </a:r>
+                </a:p>
+              </p:txBody>
+            </p:sp>
+            <p:sp>
+              <p:nvSpPr>
+                <p:cNvPr id="83" name="Rectangle 82">
+                  <a:extLst>
+                    <a:ext uri="{FF2B5EF4-FFF2-40B4-BE49-F238E27FC236}">
+                      <a16:creationId xmlns:a16="http://schemas.microsoft.com/office/drawing/2014/main" id="{CD012BD6-4532-07C1-32A8-24CCA623B8A1}"/>
+                    </a:ext>
+                  </a:extLst>
+                </p:cNvPr>
+                <p:cNvSpPr/>
+                <p:nvPr/>
+              </p:nvSpPr>
+              <p:spPr>
+                <a:xfrm rot="16200000">
+                  <a:off x="1938909" y="3493003"/>
+                  <a:ext cx="725424" cy="248158"/>
+                </a:xfrm>
+                <a:prstGeom prst="rect">
+                  <a:avLst/>
+                </a:prstGeom>
+                <a:solidFill>
+                  <a:schemeClr val="bg2">
+                    <a:lumMod val="75000"/>
+                  </a:schemeClr>
+                </a:solidFill>
+                <a:ln>
+                  <a:solidFill>
+                    <a:schemeClr val="tx1"/>
+                  </a:solidFill>
+                </a:ln>
+              </p:spPr>
+              <p:style>
+                <a:lnRef idx="2">
+                  <a:schemeClr val="accent1">
+                    <a:shade val="15000"/>
+                  </a:schemeClr>
+                </a:lnRef>
+                <a:fillRef idx="1">
+                  <a:schemeClr val="accent1"/>
+                </a:fillRef>
+                <a:effectRef idx="0">
+                  <a:schemeClr val="accent1"/>
+                </a:effectRef>
+                <a:fontRef idx="minor">
+                  <a:schemeClr val="lt1"/>
+                </a:fontRef>
+              </p:style>
+              <p:txBody>
+                <a:bodyPr rtlCol="0" anchor="ctr"/>
+                <a:lstStyle/>
+                <a:p>
+                  <a:pPr algn="ctr"/>
+                  <a:r>
+                    <a:rPr lang="en-US" sz="1100" dirty="0"/>
+                    <a:t>Air Temp</a:t>
+                  </a:r>
+                </a:p>
+              </p:txBody>
+            </p:sp>
+            <p:sp>
+              <p:nvSpPr>
+                <p:cNvPr id="84" name="Rectangle 83">
+                  <a:extLst>
+                    <a:ext uri="{FF2B5EF4-FFF2-40B4-BE49-F238E27FC236}">
+                      <a16:creationId xmlns:a16="http://schemas.microsoft.com/office/drawing/2014/main" id="{8E3CDFA6-3FD5-D362-5448-95854374DA20}"/>
+                    </a:ext>
+                  </a:extLst>
+                </p:cNvPr>
+                <p:cNvSpPr/>
+                <p:nvPr/>
+              </p:nvSpPr>
+              <p:spPr>
+                <a:xfrm rot="16200000">
+                  <a:off x="2181987" y="3493002"/>
+                  <a:ext cx="725424" cy="248158"/>
+                </a:xfrm>
+                <a:prstGeom prst="rect">
+                  <a:avLst/>
+                </a:prstGeom>
+                <a:solidFill>
+                  <a:schemeClr val="bg2">
+                    <a:lumMod val="75000"/>
+                  </a:schemeClr>
+                </a:solidFill>
+                <a:ln>
+                  <a:solidFill>
+                    <a:schemeClr val="tx1"/>
+                  </a:solidFill>
+                </a:ln>
+              </p:spPr>
+              <p:style>
+                <a:lnRef idx="2">
+                  <a:schemeClr val="accent1">
+                    <a:shade val="15000"/>
+                  </a:schemeClr>
+                </a:lnRef>
+                <a:fillRef idx="1">
+                  <a:schemeClr val="accent1"/>
+                </a:fillRef>
+                <a:effectRef idx="0">
+                  <a:schemeClr val="accent1"/>
+                </a:effectRef>
+                <a:fontRef idx="minor">
+                  <a:schemeClr val="lt1"/>
+                </a:fontRef>
+              </p:style>
+              <p:txBody>
+                <a:bodyPr rtlCol="0" anchor="ctr"/>
+                <a:lstStyle/>
+                <a:p>
+                  <a:pPr algn="ctr"/>
+                  <a:r>
+                    <a:rPr lang="en-US" sz="1100" dirty="0"/>
+                    <a:t>Wind </a:t>
+                  </a:r>
+                  <a:r>
+                    <a:rPr lang="en-US" sz="1100" dirty="0" err="1"/>
+                    <a:t>spd</a:t>
+                  </a:r>
+                  <a:endParaRPr lang="en-US" sz="1100" dirty="0"/>
+                </a:p>
+              </p:txBody>
+            </p:sp>
+            <p:sp>
+              <p:nvSpPr>
+                <p:cNvPr id="85" name="Rectangle 84">
+                  <a:extLst>
+                    <a:ext uri="{FF2B5EF4-FFF2-40B4-BE49-F238E27FC236}">
+                      <a16:creationId xmlns:a16="http://schemas.microsoft.com/office/drawing/2014/main" id="{FDE0E40F-81E3-6D12-208F-3CA7F938094D}"/>
+                    </a:ext>
+                  </a:extLst>
+                </p:cNvPr>
+                <p:cNvSpPr/>
+                <p:nvPr/>
+              </p:nvSpPr>
+              <p:spPr>
+                <a:xfrm rot="16200000">
+                  <a:off x="2428113" y="3493001"/>
+                  <a:ext cx="725424" cy="248158"/>
+                </a:xfrm>
+                <a:prstGeom prst="rect">
+                  <a:avLst/>
+                </a:prstGeom>
+                <a:solidFill>
+                  <a:schemeClr val="bg2">
+                    <a:lumMod val="75000"/>
+                  </a:schemeClr>
+                </a:solidFill>
+                <a:ln>
+                  <a:solidFill>
+                    <a:schemeClr val="tx1"/>
+                  </a:solidFill>
+                </a:ln>
+              </p:spPr>
+              <p:style>
+                <a:lnRef idx="2">
+                  <a:schemeClr val="accent1">
+                    <a:shade val="15000"/>
+                  </a:schemeClr>
+                </a:lnRef>
+                <a:fillRef idx="1">
+                  <a:schemeClr val="accent1"/>
+                </a:fillRef>
+                <a:effectRef idx="0">
+                  <a:schemeClr val="accent1"/>
+                </a:effectRef>
+                <a:fontRef idx="minor">
+                  <a:schemeClr val="lt1"/>
+                </a:fontRef>
+              </p:style>
+              <p:txBody>
+                <a:bodyPr rtlCol="0" anchor="ctr"/>
+                <a:lstStyle/>
+                <a:p>
+                  <a:pPr algn="ctr"/>
+                  <a:r>
+                    <a:rPr lang="en-US" sz="1200" dirty="0"/>
+                    <a:t>Wind </a:t>
+                  </a:r>
+                  <a:r>
+                    <a:rPr lang="en-US" sz="1200" dirty="0" err="1"/>
+                    <a:t>dir</a:t>
+                  </a:r>
+                  <a:endParaRPr lang="en-US" sz="1200" dirty="0"/>
+                </a:p>
+              </p:txBody>
+            </p:sp>
+            <p:sp>
+              <p:nvSpPr>
+                <p:cNvPr id="86" name="Rectangle 85">
+                  <a:extLst>
+                    <a:ext uri="{FF2B5EF4-FFF2-40B4-BE49-F238E27FC236}">
+                      <a16:creationId xmlns:a16="http://schemas.microsoft.com/office/drawing/2014/main" id="{88BE71E3-5445-81C0-DFA1-6D2606D6429A}"/>
+                    </a:ext>
+                  </a:extLst>
+                </p:cNvPr>
+                <p:cNvSpPr/>
+                <p:nvPr/>
+              </p:nvSpPr>
+              <p:spPr>
+                <a:xfrm>
+                  <a:off x="943356" y="3254009"/>
+                  <a:ext cx="1976120" cy="725067"/>
+                </a:xfrm>
+                <a:prstGeom prst="rect">
+                  <a:avLst/>
+                </a:prstGeom>
+                <a:noFill/>
+                <a:ln w="28575">
+                  <a:solidFill>
+                    <a:schemeClr val="tx1"/>
+                  </a:solidFill>
+                </a:ln>
+              </p:spPr>
+              <p:style>
+                <a:lnRef idx="2">
+                  <a:schemeClr val="accent1">
+                    <a:shade val="15000"/>
+                  </a:schemeClr>
+                </a:lnRef>
+                <a:fillRef idx="1">
+                  <a:schemeClr val="accent1"/>
+                </a:fillRef>
+                <a:effectRef idx="0">
+                  <a:schemeClr val="accent1"/>
+                </a:effectRef>
+                <a:fontRef idx="minor">
+                  <a:schemeClr val="lt1"/>
+                </a:fontRef>
+              </p:style>
+              <p:txBody>
+                <a:bodyPr rtlCol="0" anchor="ctr"/>
+                <a:lstStyle/>
+                <a:p>
+                  <a:pPr algn="ctr"/>
+                  <a:endParaRPr lang="en-US" dirty="0"/>
+                </a:p>
+              </p:txBody>
+            </p:sp>
+          </p:grpSp>
+          <p:sp>
+            <p:nvSpPr>
+              <p:cNvPr id="77" name="Rectangle 76">
+                <a:extLst>
+                  <a:ext uri="{FF2B5EF4-FFF2-40B4-BE49-F238E27FC236}">
+                    <a16:creationId xmlns:a16="http://schemas.microsoft.com/office/drawing/2014/main" id="{A9E45B71-7068-A239-1620-D88912669D13}"/>
+                  </a:ext>
+                </a:extLst>
+              </p:cNvPr>
+              <p:cNvSpPr/>
+              <p:nvPr/>
+            </p:nvSpPr>
+            <p:spPr>
+              <a:xfrm rot="16200000">
+                <a:off x="6162345" y="3674986"/>
+                <a:ext cx="725068" cy="248158"/>
+              </a:xfrm>
+              <a:prstGeom prst="rect">
+                <a:avLst/>
+              </a:prstGeom>
+              <a:solidFill>
+                <a:schemeClr val="accent2">
+                  <a:lumMod val="75000"/>
+                </a:schemeClr>
+              </a:solidFill>
+              <a:ln w="28575">
+                <a:solidFill>
+                  <a:schemeClr val="tx1"/>
+                </a:solidFill>
+              </a:ln>
+            </p:spPr>
+            <p:style>
+              <a:lnRef idx="2">
+                <a:schemeClr val="accent1">
+                  <a:shade val="15000"/>
+                </a:schemeClr>
+              </a:lnRef>
+              <a:fillRef idx="1">
+                <a:schemeClr val="accent1"/>
+              </a:fillRef>
+              <a:effectRef idx="0">
+                <a:schemeClr val="accent1"/>
+              </a:effectRef>
+              <a:fontRef idx="minor">
+                <a:schemeClr val="lt1"/>
+              </a:fontRef>
+            </p:style>
+            <p:txBody>
+              <a:bodyPr rtlCol="0" anchor="ctr"/>
+              <a:lstStyle/>
+              <a:p>
+                <a:pPr algn="ctr"/>
+                <a:r>
+                  <a:rPr lang="en-US" sz="1600" dirty="0"/>
+                  <a:t>Label</a:t>
+                </a:r>
+              </a:p>
+            </p:txBody>
+          </p:sp>
+        </p:grpSp>
+        <p:sp>
+          <p:nvSpPr>
+            <p:cNvPr id="96" name="Title 1">
+              <a:extLst>
+                <a:ext uri="{FF2B5EF4-FFF2-40B4-BE49-F238E27FC236}">
+                  <a16:creationId xmlns:a16="http://schemas.microsoft.com/office/drawing/2014/main" id="{9739DDB1-D70F-6D2A-1EFB-655680B5A2A6}"/>
+                </a:ext>
+              </a:extLst>
+            </p:cNvPr>
+            <p:cNvSpPr txBox="1">
+              <a:spLocks/>
+            </p:cNvSpPr>
+            <p:nvPr/>
+          </p:nvSpPr>
+          <p:spPr>
+            <a:xfrm rot="16200000">
+              <a:off x="6232355" y="2790728"/>
+              <a:ext cx="1204359" cy="245992"/>
+            </a:xfrm>
+            <a:prstGeom prst="rect">
+              <a:avLst/>
+            </a:prstGeom>
+          </p:spPr>
+          <p:txBody>
+            <a:bodyPr vert="horz" lIns="91440" tIns="45720" rIns="91440" bIns="45720" rtlCol="0" anchor="ctr">
+              <a:normAutofit fontScale="92500" lnSpcReduction="20000"/>
+            </a:bodyPr>
+            <a:lstStyle>
+              <a:lvl1pPr algn="l" defTabSz="685800" rtl="0" eaLnBrk="1" latinLnBrk="0" hangingPunct="1">
+                <a:lnSpc>
+                  <a:spcPct val="90000"/>
+                </a:lnSpc>
+                <a:spcBef>
+                  <a:spcPct val="0"/>
+                </a:spcBef>
+                <a:buNone/>
+                <a:defRPr sz="3300" kern="1200">
+                  <a:solidFill>
+                    <a:schemeClr val="tx1"/>
+                  </a:solidFill>
+                  <a:latin typeface="+mj-lt"/>
+                  <a:ea typeface="+mj-ea"/>
+                  <a:cs typeface="+mj-cs"/>
+                </a:defRPr>
+              </a:lvl1pPr>
+            </a:lstStyle>
+            <a:p>
+              <a:pPr algn="ctr"/>
+              <a:r>
+                <a:rPr lang="en-US" sz="1400" b="1" dirty="0">
+                  <a:latin typeface="+mn-lt"/>
+                </a:rPr>
+                <a:t>t</a:t>
+              </a:r>
+              <a:endParaRPr lang="en-US" sz="2000" b="1" dirty="0">
+                <a:latin typeface="+mn-lt"/>
+              </a:endParaRPr>
+            </a:p>
+          </p:txBody>
+        </p:sp>
+        <p:sp>
+          <p:nvSpPr>
+            <p:cNvPr id="97" name="Title 1">
+              <a:extLst>
+                <a:ext uri="{FF2B5EF4-FFF2-40B4-BE49-F238E27FC236}">
+                  <a16:creationId xmlns:a16="http://schemas.microsoft.com/office/drawing/2014/main" id="{EDAE4E75-5E83-78B9-F196-2E685FC4AD67}"/>
+                </a:ext>
+              </a:extLst>
+            </p:cNvPr>
+            <p:cNvSpPr txBox="1">
+              <a:spLocks/>
+            </p:cNvSpPr>
+            <p:nvPr/>
+          </p:nvSpPr>
+          <p:spPr>
+            <a:xfrm rot="16200000">
+              <a:off x="6232355" y="3564840"/>
+              <a:ext cx="1204359" cy="245992"/>
+            </a:xfrm>
+            <a:prstGeom prst="rect">
+              <a:avLst/>
+            </a:prstGeom>
+          </p:spPr>
+          <p:txBody>
+            <a:bodyPr vert="horz" lIns="91440" tIns="45720" rIns="91440" bIns="45720" rtlCol="0" anchor="ctr">
+              <a:normAutofit fontScale="62500" lnSpcReduction="20000"/>
+            </a:bodyPr>
+            <a:lstStyle>
+              <a:lvl1pPr algn="l" defTabSz="685800" rtl="0" eaLnBrk="1" latinLnBrk="0" hangingPunct="1">
+                <a:lnSpc>
+                  <a:spcPct val="90000"/>
+                </a:lnSpc>
+                <a:spcBef>
+                  <a:spcPct val="0"/>
+                </a:spcBef>
+                <a:buNone/>
+                <a:defRPr sz="3300" kern="1200">
+                  <a:solidFill>
+                    <a:schemeClr val="tx1"/>
+                  </a:solidFill>
+                  <a:latin typeface="+mj-lt"/>
+                  <a:ea typeface="+mj-ea"/>
+                  <a:cs typeface="+mj-cs"/>
+                </a:defRPr>
+              </a:lvl1pPr>
+            </a:lstStyle>
+            <a:p>
+              <a:pPr algn="ctr"/>
+              <a:r>
+                <a:rPr lang="en-US" sz="2000" b="1" dirty="0">
+                  <a:latin typeface="+mn-lt"/>
+                </a:rPr>
+                <a:t>t-1</a:t>
+              </a:r>
+            </a:p>
+          </p:txBody>
+        </p:sp>
+        <p:sp>
+          <p:nvSpPr>
+            <p:cNvPr id="98" name="Title 1">
+              <a:extLst>
+                <a:ext uri="{FF2B5EF4-FFF2-40B4-BE49-F238E27FC236}">
+                  <a16:creationId xmlns:a16="http://schemas.microsoft.com/office/drawing/2014/main" id="{B8FB71C4-0AE1-DC1B-A0A4-AF7F99187728}"/>
+                </a:ext>
+              </a:extLst>
+            </p:cNvPr>
+            <p:cNvSpPr txBox="1">
+              <a:spLocks/>
+            </p:cNvSpPr>
+            <p:nvPr/>
+          </p:nvSpPr>
+          <p:spPr>
+            <a:xfrm rot="16200000">
+              <a:off x="6235780" y="4289908"/>
+              <a:ext cx="1204359" cy="245992"/>
+            </a:xfrm>
+            <a:prstGeom prst="rect">
+              <a:avLst/>
+            </a:prstGeom>
+          </p:spPr>
+          <p:txBody>
+            <a:bodyPr vert="horz" lIns="91440" tIns="45720" rIns="91440" bIns="45720" rtlCol="0" anchor="ctr">
+              <a:normAutofit fontScale="62500" lnSpcReduction="20000"/>
+            </a:bodyPr>
+            <a:lstStyle>
+              <a:lvl1pPr algn="l" defTabSz="685800" rtl="0" eaLnBrk="1" latinLnBrk="0" hangingPunct="1">
+                <a:lnSpc>
+                  <a:spcPct val="90000"/>
+                </a:lnSpc>
+                <a:spcBef>
+                  <a:spcPct val="0"/>
+                </a:spcBef>
+                <a:buNone/>
+                <a:defRPr sz="3300" kern="1200">
+                  <a:solidFill>
+                    <a:schemeClr val="tx1"/>
+                  </a:solidFill>
+                  <a:latin typeface="+mj-lt"/>
+                  <a:ea typeface="+mj-ea"/>
+                  <a:cs typeface="+mj-cs"/>
+                </a:defRPr>
+              </a:lvl1pPr>
+            </a:lstStyle>
+            <a:p>
+              <a:pPr algn="ctr"/>
+              <a:r>
+                <a:rPr lang="en-US" sz="2000" b="1" dirty="0">
+                  <a:latin typeface="+mn-lt"/>
+                </a:rPr>
+                <a:t>t-2</a:t>
+              </a:r>
+            </a:p>
+          </p:txBody>
+        </p:sp>
+        <p:sp>
+          <p:nvSpPr>
+            <p:cNvPr id="99" name="Title 1">
+              <a:extLst>
+                <a:ext uri="{FF2B5EF4-FFF2-40B4-BE49-F238E27FC236}">
+                  <a16:creationId xmlns:a16="http://schemas.microsoft.com/office/drawing/2014/main" id="{A589374C-4664-6804-55F5-826E1739E9D0}"/>
+                </a:ext>
+              </a:extLst>
+            </p:cNvPr>
+            <p:cNvSpPr txBox="1">
+              <a:spLocks/>
+            </p:cNvSpPr>
+            <p:nvPr/>
+          </p:nvSpPr>
+          <p:spPr>
+            <a:xfrm rot="16200000">
+              <a:off x="6239205" y="5014976"/>
+              <a:ext cx="1204359" cy="245992"/>
+            </a:xfrm>
+            <a:prstGeom prst="rect">
+              <a:avLst/>
+            </a:prstGeom>
+          </p:spPr>
+          <p:txBody>
+            <a:bodyPr vert="horz" lIns="91440" tIns="45720" rIns="91440" bIns="45720" rtlCol="0" anchor="ctr">
+              <a:normAutofit fontScale="62500" lnSpcReduction="20000"/>
+            </a:bodyPr>
+            <a:lstStyle>
+              <a:lvl1pPr algn="l" defTabSz="685800" rtl="0" eaLnBrk="1" latinLnBrk="0" hangingPunct="1">
+                <a:lnSpc>
+                  <a:spcPct val="90000"/>
+                </a:lnSpc>
+                <a:spcBef>
+                  <a:spcPct val="0"/>
+                </a:spcBef>
+                <a:buNone/>
+                <a:defRPr sz="3300" kern="1200">
+                  <a:solidFill>
+                    <a:schemeClr val="tx1"/>
+                  </a:solidFill>
+                  <a:latin typeface="+mj-lt"/>
+                  <a:ea typeface="+mj-ea"/>
+                  <a:cs typeface="+mj-cs"/>
+                </a:defRPr>
+              </a:lvl1pPr>
+            </a:lstStyle>
+            <a:p>
+              <a:pPr algn="ctr"/>
+              <a:r>
+                <a:rPr lang="en-US" sz="2000" b="1" dirty="0">
+                  <a:latin typeface="+mn-lt"/>
+                </a:rPr>
+                <a:t>t-3</a:t>
+              </a:r>
+            </a:p>
+          </p:txBody>
+        </p:sp>
+      </p:grpSp>
+    </p:spTree>
+    <p:extLst>
+      <p:ext uri="{BB962C8B-B14F-4D97-AF65-F5344CB8AC3E}">
+        <p14:creationId xmlns:p14="http://schemas.microsoft.com/office/powerpoint/2010/main" val="281722495"/>
+      </p:ext>
+    </p:extLst>
+  </p:cSld>
+  <p:clrMapOvr>
+    <a:masterClrMapping/>
+  </p:clrMapOvr>
+</p:sld>
+</file>
+
+<file path=ppt/slides/slide3.xml><?xml version="1.0" encoding="utf-8"?>
 <p:sld xmlns:a="http://schemas.openxmlformats.org/drawingml/2006/main" xmlns:r="http://schemas.openxmlformats.org/officeDocument/2006/relationships" xmlns:p="http://schemas.openxmlformats.org/presentationml/2006/main">
   <p:cSld>
     <p:spTree>
@@ -5390,7 +10440,7 @@
 </p:sld>
 </file>
 
-<file path=ppt/slides/slide3.xml><?xml version="1.0" encoding="utf-8"?>
+<file path=ppt/slides/slide4.xml><?xml version="1.0" encoding="utf-8"?>
 <p:sld xmlns:a="http://schemas.openxmlformats.org/drawingml/2006/main" xmlns:r="http://schemas.openxmlformats.org/officeDocument/2006/relationships" xmlns:p="http://schemas.openxmlformats.org/presentationml/2006/main">
   <p:cSld>
     <p:spTree>
@@ -7565,7 +12615,7 @@
 </p:sld>
 </file>
 
-<file path=ppt/slides/slide4.xml><?xml version="1.0" encoding="utf-8"?>
+<file path=ppt/slides/slide5.xml><?xml version="1.0" encoding="utf-8"?>
 <p:sld xmlns:a="http://schemas.openxmlformats.org/drawingml/2006/main" xmlns:r="http://schemas.openxmlformats.org/officeDocument/2006/relationships" xmlns:p="http://schemas.openxmlformats.org/presentationml/2006/main">
   <p:cSld>
     <p:spTree>
